--- a/【第01课】感知数据/【第01课】开学第一课.pptx
+++ b/【第01课】感知数据/【第01课】开学第一课.pptx
@@ -5,7 +5,7 @@
     <p:sldMasterId id="2147483648" r:id="rId1"/>
   </p:sldMasterIdLst>
   <p:notesMasterIdLst>
-    <p:notesMasterId r:id="rId18"/>
+    <p:notesMasterId r:id="rId21"/>
   </p:notesMasterIdLst>
   <p:sldIdLst>
     <p:sldId id="256" r:id="rId2"/>
@@ -15,15 +15,18 @@
     <p:sldId id="307" r:id="rId6"/>
     <p:sldId id="305" r:id="rId7"/>
     <p:sldId id="327" r:id="rId8"/>
-    <p:sldId id="279" r:id="rId9"/>
-    <p:sldId id="277" r:id="rId10"/>
-    <p:sldId id="280" r:id="rId11"/>
-    <p:sldId id="266" r:id="rId12"/>
-    <p:sldId id="328" r:id="rId13"/>
-    <p:sldId id="271" r:id="rId14"/>
-    <p:sldId id="329" r:id="rId15"/>
-    <p:sldId id="282" r:id="rId16"/>
-    <p:sldId id="270" r:id="rId17"/>
+    <p:sldId id="331" r:id="rId9"/>
+    <p:sldId id="279" r:id="rId10"/>
+    <p:sldId id="277" r:id="rId11"/>
+    <p:sldId id="280" r:id="rId12"/>
+    <p:sldId id="332" r:id="rId13"/>
+    <p:sldId id="266" r:id="rId14"/>
+    <p:sldId id="328" r:id="rId15"/>
+    <p:sldId id="333" r:id="rId16"/>
+    <p:sldId id="271" r:id="rId17"/>
+    <p:sldId id="329" r:id="rId18"/>
+    <p:sldId id="282" r:id="rId19"/>
+    <p:sldId id="270" r:id="rId20"/>
   </p:sldIdLst>
   <p:sldSz cx="9144000" cy="6858000" type="screen4x3"/>
   <p:notesSz cx="6858000" cy="9144000"/>
@@ -3014,7 +3017,7 @@
               <a:pPr>
                 <a:defRPr/>
               </a:pPr>
-              <a:t>2020/11/2</a:t>
+              <a:t>2021/2/19</a:t>
             </a:fld>
             <a:endParaRPr lang="zh-CN" altLang="en-US"/>
           </a:p>
@@ -3895,7 +3898,7 @@
                 <a:latin typeface="Calibri" panose="020F0502020204030204" pitchFamily="34" charset="0"/>
               </a:rPr>
               <a:pPr/>
-              <a:t>15</a:t>
+              <a:t>18</a:t>
             </a:fld>
             <a:endParaRPr lang="zh-CN" altLang="en-US">
               <a:latin typeface="Calibri" panose="020F0502020204030204" pitchFamily="34" charset="0"/>
@@ -4056,7 +4059,7 @@
               <a:pPr>
                 <a:defRPr/>
               </a:pPr>
-              <a:t>2020/11/2</a:t>
+              <a:t>2021/2/19</a:t>
             </a:fld>
             <a:endParaRPr lang="zh-CN" altLang="en-US"/>
           </a:p>
@@ -4270,7 +4273,7 @@
               <a:pPr>
                 <a:defRPr/>
               </a:pPr>
-              <a:t>2020/11/2</a:t>
+              <a:t>2021/2/19</a:t>
             </a:fld>
             <a:endParaRPr lang="zh-CN" altLang="en-US"/>
           </a:p>
@@ -4494,7 +4497,7 @@
               <a:pPr>
                 <a:defRPr/>
               </a:pPr>
-              <a:t>2020/11/2</a:t>
+              <a:t>2021/2/19</a:t>
             </a:fld>
             <a:endParaRPr lang="zh-CN" altLang="en-US"/>
           </a:p>
@@ -5134,7 +5137,7 @@
               <a:pPr>
                 <a:defRPr/>
               </a:pPr>
-              <a:t>2020/11/2</a:t>
+              <a:t>2021/2/19</a:t>
             </a:fld>
             <a:endParaRPr lang="zh-CN" altLang="en-US"/>
           </a:p>
@@ -5409,7 +5412,7 @@
               <a:pPr>
                 <a:defRPr/>
               </a:pPr>
-              <a:t>2020/11/2</a:t>
+              <a:t>2021/2/19</a:t>
             </a:fld>
             <a:endParaRPr lang="zh-CN" altLang="en-US"/>
           </a:p>
@@ -5819,7 +5822,7 @@
               <a:pPr>
                 <a:defRPr/>
               </a:pPr>
-              <a:t>2020/11/2</a:t>
+              <a:t>2021/2/19</a:t>
             </a:fld>
             <a:endParaRPr lang="zh-CN" altLang="en-US"/>
           </a:p>
@@ -5982,7 +5985,7 @@
               <a:pPr>
                 <a:defRPr/>
               </a:pPr>
-              <a:t>2020/11/2</a:t>
+              <a:t>2021/2/19</a:t>
             </a:fld>
             <a:endParaRPr lang="zh-CN" altLang="en-US"/>
           </a:p>
@@ -6123,7 +6126,7 @@
               <a:pPr>
                 <a:defRPr/>
               </a:pPr>
-              <a:t>2020/11/2</a:t>
+              <a:t>2021/2/19</a:t>
             </a:fld>
             <a:endParaRPr lang="zh-CN" altLang="en-US"/>
           </a:p>
@@ -6444,7 +6447,7 @@
               <a:pPr>
                 <a:defRPr/>
               </a:pPr>
-              <a:t>2020/11/2</a:t>
+              <a:t>2021/2/19</a:t>
             </a:fld>
             <a:endParaRPr lang="zh-CN" altLang="en-US"/>
           </a:p>
@@ -6745,7 +6748,7 @@
               <a:pPr>
                 <a:defRPr/>
               </a:pPr>
-              <a:t>2020/11/2</a:t>
+              <a:t>2021/2/19</a:t>
             </a:fld>
             <a:endParaRPr lang="zh-CN" altLang="en-US"/>
           </a:p>
@@ -7072,7 +7075,7 @@
               <a:pPr>
                 <a:defRPr/>
               </a:pPr>
-              <a:t>2020/11/2</a:t>
+              <a:t>2021/2/19</a:t>
             </a:fld>
             <a:endParaRPr lang="zh-CN" altLang="en-US"/>
           </a:p>
@@ -9190,7 +9193,7 @@
               <a:defRPr/>
             </a:pPr>
             <a:r>
-              <a:rPr lang="en-US" altLang="zh-CN" sz="2400">
+              <a:rPr lang="zh-CN" altLang="en-US" sz="2400" dirty="0">
                 <a:solidFill>
                   <a:schemeClr val="tx1">
                     <a:lumMod val="65000"/>
@@ -9201,52 +9204,10 @@
                 <a:ea typeface="微软雅黑" panose="020B0503020204020204" pitchFamily="34" charset="-122"/>
                 <a:cs typeface="微软雅黑" panose="020B0503020204020204" pitchFamily="34" charset="-122"/>
               </a:rPr>
-              <a:t>2020</a:t>
+              <a:t>开学第</a:t>
             </a:r>
             <a:r>
-              <a:rPr lang="zh-CN" altLang="en-US" sz="2400">
-                <a:solidFill>
-                  <a:schemeClr val="tx1">
-                    <a:lumMod val="65000"/>
-                    <a:lumOff val="35000"/>
-                  </a:schemeClr>
-                </a:solidFill>
-                <a:latin typeface="微软雅黑" panose="020B0503020204020204" pitchFamily="34" charset="-122"/>
-                <a:ea typeface="微软雅黑" panose="020B0503020204020204" pitchFamily="34" charset="-122"/>
-                <a:cs typeface="微软雅黑" panose="020B0503020204020204" pitchFamily="34" charset="-122"/>
-              </a:rPr>
-              <a:t>年 </a:t>
-            </a:r>
-            <a:r>
-              <a:rPr lang="en-US" altLang="zh-CN" sz="2400">
-                <a:solidFill>
-                  <a:schemeClr val="tx1">
-                    <a:lumMod val="65000"/>
-                    <a:lumOff val="35000"/>
-                  </a:schemeClr>
-                </a:solidFill>
-                <a:latin typeface="微软雅黑" panose="020B0503020204020204" pitchFamily="34" charset="-122"/>
-                <a:ea typeface="微软雅黑" panose="020B0503020204020204" pitchFamily="34" charset="-122"/>
-                <a:cs typeface="微软雅黑" panose="020B0503020204020204" pitchFamily="34" charset="-122"/>
-              </a:rPr>
-              <a:t>9</a:t>
-            </a:r>
-            <a:r>
-              <a:rPr lang="zh-CN" altLang="en-US" sz="2400">
-                <a:solidFill>
-                  <a:schemeClr val="tx1">
-                    <a:lumMod val="65000"/>
-                    <a:lumOff val="35000"/>
-                  </a:schemeClr>
-                </a:solidFill>
-                <a:latin typeface="微软雅黑" panose="020B0503020204020204" pitchFamily="34" charset="-122"/>
-                <a:ea typeface="微软雅黑" panose="020B0503020204020204" pitchFamily="34" charset="-122"/>
-                <a:cs typeface="微软雅黑" panose="020B0503020204020204" pitchFamily="34" charset="-122"/>
-              </a:rPr>
-              <a:t>月  开学第</a:t>
-            </a:r>
-            <a:r>
-              <a:rPr lang="en-US" altLang="zh-CN" sz="2400">
+              <a:rPr lang="en-US" altLang="zh-CN" sz="2400" dirty="0">
                 <a:solidFill>
                   <a:schemeClr val="tx1">
                     <a:lumMod val="65000"/>
@@ -9260,7 +9221,7 @@
               <a:t>1</a:t>
             </a:r>
             <a:r>
-              <a:rPr lang="zh-CN" altLang="en-US" sz="2400">
+              <a:rPr lang="zh-CN" altLang="en-US" sz="2400" dirty="0">
                 <a:solidFill>
                   <a:schemeClr val="tx1">
                     <a:lumMod val="65000"/>
@@ -9286,6 +9247,341 @@
 </file>
 
 <file path=ppt/slides/slide10.xml><?xml version="1.0" encoding="utf-8"?>
+<p:sld xmlns:a="http://schemas.openxmlformats.org/drawingml/2006/main" xmlns:r="http://schemas.openxmlformats.org/officeDocument/2006/relationships" xmlns:p="http://schemas.openxmlformats.org/presentationml/2006/main">
+  <p:cSld>
+    <p:spTree>
+      <p:nvGrpSpPr>
+        <p:cNvPr id="1" name=""/>
+        <p:cNvGrpSpPr/>
+        <p:nvPr/>
+      </p:nvGrpSpPr>
+      <p:grpSpPr>
+        <a:xfrm>
+          <a:off x="0" y="0"/>
+          <a:ext cx="0" cy="0"/>
+          <a:chOff x="0" y="0"/>
+          <a:chExt cx="0" cy="0"/>
+        </a:xfrm>
+      </p:grpSpPr>
+      <p:pic>
+        <p:nvPicPr>
+          <p:cNvPr id="13314" name="图片 1">
+            <a:extLst>
+              <a:ext uri="{FF2B5EF4-FFF2-40B4-BE49-F238E27FC236}">
+                <a16:creationId xmlns:a16="http://schemas.microsoft.com/office/drawing/2014/main" id="{743E4CB5-8BA0-4AE4-9D7A-1AA288FF2486}"/>
+              </a:ext>
+            </a:extLst>
+          </p:cNvPr>
+          <p:cNvPicPr>
+            <a:picLocks noChangeAspect="1"/>
+          </p:cNvPicPr>
+          <p:nvPr>
+            <p:custDataLst>
+              <p:tags r:id="rId1"/>
+            </p:custDataLst>
+          </p:nvPr>
+        </p:nvPicPr>
+        <p:blipFill>
+          <a:blip r:embed="rId3">
+            <a:extLst>
+              <a:ext uri="{28A0092B-C50C-407E-A947-70E740481C1C}">
+                <a14:useLocalDpi xmlns:a14="http://schemas.microsoft.com/office/drawing/2010/main" val="0"/>
+              </a:ext>
+            </a:extLst>
+          </a:blip>
+          <a:srcRect/>
+          <a:stretch>
+            <a:fillRect/>
+          </a:stretch>
+        </p:blipFill>
+        <p:spPr bwMode="auto">
+          <a:xfrm>
+            <a:off x="836613" y="765175"/>
+            <a:ext cx="7469187" cy="5019675"/>
+          </a:xfrm>
+          <a:prstGeom prst="rect">
+            <a:avLst/>
+          </a:prstGeom>
+          <a:noFill/>
+          <a:ln>
+            <a:noFill/>
+          </a:ln>
+          <a:extLst>
+            <a:ext uri="{909E8E84-426E-40DD-AFC4-6F175D3DCCD1}">
+              <a14:hiddenFill xmlns:a14="http://schemas.microsoft.com/office/drawing/2010/main">
+                <a:solidFill>
+                  <a:srgbClr val="FFFFFF"/>
+                </a:solidFill>
+              </a14:hiddenFill>
+            </a:ext>
+            <a:ext uri="{91240B29-F687-4F45-9708-019B960494DF}">
+              <a14:hiddenLine xmlns:a14="http://schemas.microsoft.com/office/drawing/2010/main" w="9525">
+                <a:solidFill>
+                  <a:srgbClr val="000000"/>
+                </a:solidFill>
+                <a:miter lim="800000"/>
+                <a:headEnd/>
+                <a:tailEnd/>
+              </a14:hiddenLine>
+            </a:ext>
+          </a:extLst>
+        </p:spPr>
+      </p:pic>
+      <p:sp>
+        <p:nvSpPr>
+          <p:cNvPr id="13315" name="文本框 2">
+            <a:extLst>
+              <a:ext uri="{FF2B5EF4-FFF2-40B4-BE49-F238E27FC236}">
+                <a16:creationId xmlns:a16="http://schemas.microsoft.com/office/drawing/2014/main" id="{C9FCE285-AE4E-4CD2-B30C-07A12CBFBB6C}"/>
+              </a:ext>
+            </a:extLst>
+          </p:cNvPr>
+          <p:cNvSpPr txBox="1">
+            <a:spLocks noChangeArrowheads="1"/>
+          </p:cNvSpPr>
+          <p:nvPr/>
+        </p:nvSpPr>
+        <p:spPr bwMode="auto">
+          <a:xfrm>
+            <a:off x="1747838" y="6313488"/>
+            <a:ext cx="5646737" cy="460375"/>
+          </a:xfrm>
+          <a:prstGeom prst="rect">
+            <a:avLst/>
+          </a:prstGeom>
+          <a:noFill/>
+          <a:ln>
+            <a:noFill/>
+          </a:ln>
+          <a:extLst>
+            <a:ext uri="{909E8E84-426E-40DD-AFC4-6F175D3DCCD1}">
+              <a14:hiddenFill xmlns:a14="http://schemas.microsoft.com/office/drawing/2010/main">
+                <a:solidFill>
+                  <a:srgbClr val="FFFFFF"/>
+                </a:solidFill>
+              </a14:hiddenFill>
+            </a:ext>
+            <a:ext uri="{91240B29-F687-4F45-9708-019B960494DF}">
+              <a14:hiddenLine xmlns:a14="http://schemas.microsoft.com/office/drawing/2010/main" w="9525">
+                <a:solidFill>
+                  <a:srgbClr val="000000"/>
+                </a:solidFill>
+                <a:miter lim="800000"/>
+                <a:headEnd/>
+                <a:tailEnd/>
+              </a14:hiddenLine>
+            </a:ext>
+          </a:extLst>
+        </p:spPr>
+        <p:txBody>
+          <a:bodyPr wrap="none">
+            <a:spAutoFit/>
+          </a:bodyPr>
+          <a:lstStyle>
+            <a:lvl1pPr>
+              <a:lnSpc>
+                <a:spcPct val="90000"/>
+              </a:lnSpc>
+              <a:spcBef>
+                <a:spcPts val="1000"/>
+              </a:spcBef>
+              <a:buFont typeface="Arial" panose="020B0604020202020204" pitchFamily="34" charset="0"/>
+              <a:buChar char="•"/>
+              <a:defRPr sz="2800">
+                <a:solidFill>
+                  <a:schemeClr val="tx1"/>
+                </a:solidFill>
+                <a:latin typeface="Calibri" panose="020F0502020204030204" pitchFamily="34" charset="0"/>
+                <a:ea typeface="宋体" panose="02010600030101010101" pitchFamily="2" charset="-122"/>
+              </a:defRPr>
+            </a:lvl1pPr>
+            <a:lvl2pPr marL="742950" indent="-285750">
+              <a:lnSpc>
+                <a:spcPct val="90000"/>
+              </a:lnSpc>
+              <a:spcBef>
+                <a:spcPts val="500"/>
+              </a:spcBef>
+              <a:buFont typeface="Arial" panose="020B0604020202020204" pitchFamily="34" charset="0"/>
+              <a:buChar char="•"/>
+              <a:defRPr sz="2400">
+                <a:solidFill>
+                  <a:schemeClr val="tx1"/>
+                </a:solidFill>
+                <a:latin typeface="Calibri" panose="020F0502020204030204" pitchFamily="34" charset="0"/>
+                <a:ea typeface="宋体" panose="02010600030101010101" pitchFamily="2" charset="-122"/>
+              </a:defRPr>
+            </a:lvl2pPr>
+            <a:lvl3pPr marL="1143000" indent="-228600">
+              <a:lnSpc>
+                <a:spcPct val="90000"/>
+              </a:lnSpc>
+              <a:spcBef>
+                <a:spcPts val="500"/>
+              </a:spcBef>
+              <a:buFont typeface="Arial" panose="020B0604020202020204" pitchFamily="34" charset="0"/>
+              <a:buChar char="•"/>
+              <a:defRPr sz="2000">
+                <a:solidFill>
+                  <a:schemeClr val="tx1"/>
+                </a:solidFill>
+                <a:latin typeface="Calibri" panose="020F0502020204030204" pitchFamily="34" charset="0"/>
+                <a:ea typeface="宋体" panose="02010600030101010101" pitchFamily="2" charset="-122"/>
+              </a:defRPr>
+            </a:lvl3pPr>
+            <a:lvl4pPr marL="1600200" indent="-228600">
+              <a:lnSpc>
+                <a:spcPct val="90000"/>
+              </a:lnSpc>
+              <a:spcBef>
+                <a:spcPts val="500"/>
+              </a:spcBef>
+              <a:buFont typeface="Arial" panose="020B0604020202020204" pitchFamily="34" charset="0"/>
+              <a:buChar char="•"/>
+              <a:defRPr>
+                <a:solidFill>
+                  <a:schemeClr val="tx1"/>
+                </a:solidFill>
+                <a:latin typeface="Calibri" panose="020F0502020204030204" pitchFamily="34" charset="0"/>
+                <a:ea typeface="宋体" panose="02010600030101010101" pitchFamily="2" charset="-122"/>
+              </a:defRPr>
+            </a:lvl4pPr>
+            <a:lvl5pPr marL="2057400" indent="-228600">
+              <a:lnSpc>
+                <a:spcPct val="90000"/>
+              </a:lnSpc>
+              <a:spcBef>
+                <a:spcPts val="500"/>
+              </a:spcBef>
+              <a:buFont typeface="Arial" panose="020B0604020202020204" pitchFamily="34" charset="0"/>
+              <a:buChar char="•"/>
+              <a:defRPr>
+                <a:solidFill>
+                  <a:schemeClr val="tx1"/>
+                </a:solidFill>
+                <a:latin typeface="Calibri" panose="020F0502020204030204" pitchFamily="34" charset="0"/>
+                <a:ea typeface="宋体" panose="02010600030101010101" pitchFamily="2" charset="-122"/>
+              </a:defRPr>
+            </a:lvl5pPr>
+            <a:lvl6pPr marL="2514600" indent="-228600" eaLnBrk="0" fontAlgn="base" hangingPunct="0">
+              <a:lnSpc>
+                <a:spcPct val="90000"/>
+              </a:lnSpc>
+              <a:spcBef>
+                <a:spcPts val="500"/>
+              </a:spcBef>
+              <a:spcAft>
+                <a:spcPct val="0"/>
+              </a:spcAft>
+              <a:buFont typeface="Arial" panose="020B0604020202020204" pitchFamily="34" charset="0"/>
+              <a:buChar char="•"/>
+              <a:defRPr>
+                <a:solidFill>
+                  <a:schemeClr val="tx1"/>
+                </a:solidFill>
+                <a:latin typeface="Calibri" panose="020F0502020204030204" pitchFamily="34" charset="0"/>
+                <a:ea typeface="宋体" panose="02010600030101010101" pitchFamily="2" charset="-122"/>
+              </a:defRPr>
+            </a:lvl6pPr>
+            <a:lvl7pPr marL="2971800" indent="-228600" eaLnBrk="0" fontAlgn="base" hangingPunct="0">
+              <a:lnSpc>
+                <a:spcPct val="90000"/>
+              </a:lnSpc>
+              <a:spcBef>
+                <a:spcPts val="500"/>
+              </a:spcBef>
+              <a:spcAft>
+                <a:spcPct val="0"/>
+              </a:spcAft>
+              <a:buFont typeface="Arial" panose="020B0604020202020204" pitchFamily="34" charset="0"/>
+              <a:buChar char="•"/>
+              <a:defRPr>
+                <a:solidFill>
+                  <a:schemeClr val="tx1"/>
+                </a:solidFill>
+                <a:latin typeface="Calibri" panose="020F0502020204030204" pitchFamily="34" charset="0"/>
+                <a:ea typeface="宋体" panose="02010600030101010101" pitchFamily="2" charset="-122"/>
+              </a:defRPr>
+            </a:lvl7pPr>
+            <a:lvl8pPr marL="3429000" indent="-228600" eaLnBrk="0" fontAlgn="base" hangingPunct="0">
+              <a:lnSpc>
+                <a:spcPct val="90000"/>
+              </a:lnSpc>
+              <a:spcBef>
+                <a:spcPts val="500"/>
+              </a:spcBef>
+              <a:spcAft>
+                <a:spcPct val="0"/>
+              </a:spcAft>
+              <a:buFont typeface="Arial" panose="020B0604020202020204" pitchFamily="34" charset="0"/>
+              <a:buChar char="•"/>
+              <a:defRPr>
+                <a:solidFill>
+                  <a:schemeClr val="tx1"/>
+                </a:solidFill>
+                <a:latin typeface="Calibri" panose="020F0502020204030204" pitchFamily="34" charset="0"/>
+                <a:ea typeface="宋体" panose="02010600030101010101" pitchFamily="2" charset="-122"/>
+              </a:defRPr>
+            </a:lvl8pPr>
+            <a:lvl9pPr marL="3886200" indent="-228600" eaLnBrk="0" fontAlgn="base" hangingPunct="0">
+              <a:lnSpc>
+                <a:spcPct val="90000"/>
+              </a:lnSpc>
+              <a:spcBef>
+                <a:spcPts val="500"/>
+              </a:spcBef>
+              <a:spcAft>
+                <a:spcPct val="0"/>
+              </a:spcAft>
+              <a:buFont typeface="Arial" panose="020B0604020202020204" pitchFamily="34" charset="0"/>
+              <a:buChar char="•"/>
+              <a:defRPr>
+                <a:solidFill>
+                  <a:schemeClr val="tx1"/>
+                </a:solidFill>
+                <a:latin typeface="Calibri" panose="020F0502020204030204" pitchFamily="34" charset="0"/>
+                <a:ea typeface="宋体" panose="02010600030101010101" pitchFamily="2" charset="-122"/>
+              </a:defRPr>
+            </a:lvl9pPr>
+          </a:lstStyle>
+          <a:p>
+            <a:pPr eaLnBrk="1" hangingPunct="1">
+              <a:lnSpc>
+                <a:spcPct val="100000"/>
+              </a:lnSpc>
+              <a:spcBef>
+                <a:spcPct val="0"/>
+              </a:spcBef>
+              <a:buFontTx/>
+              <a:buNone/>
+            </a:pPr>
+            <a:r>
+              <a:rPr lang="zh-CN" altLang="en-US" sz="2400">
+                <a:latin typeface="微软雅黑" panose="020B0503020204020204" pitchFamily="34" charset="-122"/>
+                <a:ea typeface="微软雅黑" panose="020B0503020204020204" pitchFamily="34" charset="-122"/>
+              </a:rPr>
+              <a:t>平台网址   </a:t>
+            </a:r>
+            <a:r>
+              <a:rPr lang="en-US" altLang="zh-CN" sz="2400">
+                <a:latin typeface="微软雅黑" panose="020B0503020204020204" pitchFamily="34" charset="-122"/>
+                <a:ea typeface="微软雅黑" panose="020B0503020204020204" pitchFamily="34" charset="-122"/>
+              </a:rPr>
+              <a:t>https://study.wjszzx.com.cn</a:t>
+            </a:r>
+          </a:p>
+        </p:txBody>
+      </p:sp>
+    </p:spTree>
+  </p:cSld>
+  <p:clrMapOvr>
+    <a:masterClrMapping/>
+  </p:clrMapOvr>
+  <p:transition spd="slow"/>
+</p:sld>
+</file>
+
+<file path=ppt/slides/slide11.xml><?xml version="1.0" encoding="utf-8"?>
 <p:sld xmlns:a="http://schemas.openxmlformats.org/drawingml/2006/main" xmlns:r="http://schemas.openxmlformats.org/officeDocument/2006/relationships" xmlns:p="http://schemas.openxmlformats.org/presentationml/2006/main">
   <p:cSld>
     <p:spTree>
@@ -10812,7 +11108,560 @@
 </p:sld>
 </file>
 
-<file path=ppt/slides/slide11.xml><?xml version="1.0" encoding="utf-8"?>
+<file path=ppt/slides/slide12.xml><?xml version="1.0" encoding="utf-8"?>
+<p:sld xmlns:a="http://schemas.openxmlformats.org/drawingml/2006/main" xmlns:r="http://schemas.openxmlformats.org/officeDocument/2006/relationships" xmlns:p="http://schemas.openxmlformats.org/presentationml/2006/main">
+  <p:cSld>
+    <p:spTree>
+      <p:nvGrpSpPr>
+        <p:cNvPr id="1" name=""/>
+        <p:cNvGrpSpPr/>
+        <p:nvPr/>
+      </p:nvGrpSpPr>
+      <p:grpSpPr>
+        <a:xfrm>
+          <a:off x="0" y="0"/>
+          <a:ext cx="0" cy="0"/>
+          <a:chOff x="0" y="0"/>
+          <a:chExt cx="0" cy="0"/>
+        </a:xfrm>
+      </p:grpSpPr>
+      <p:pic>
+        <p:nvPicPr>
+          <p:cNvPr id="13317" name="图片 13316" descr="timg?image&amp;quality=80&amp;size=b9999_10000&amp;sec=1598988013167&amp;di=27c869894fe7234fd3440947d3962262&amp;imgtype=0&amp;src=http%3A%2F%2Fstatic-news">
+            <a:extLst>
+              <a:ext uri="{FF2B5EF4-FFF2-40B4-BE49-F238E27FC236}">
+                <a16:creationId xmlns:a16="http://schemas.microsoft.com/office/drawing/2014/main" id="{7CD79AEE-A755-4FAF-BB97-0592161C93AD}"/>
+              </a:ext>
+            </a:extLst>
+          </p:cNvPr>
+          <p:cNvPicPr>
+            <a:picLocks noChangeAspect="1" noChangeArrowheads="1"/>
+          </p:cNvPicPr>
+          <p:nvPr/>
+        </p:nvPicPr>
+        <p:blipFill>
+          <a:blip r:embed="rId2">
+            <a:extLst>
+              <a:ext uri="{28A0092B-C50C-407E-A947-70E740481C1C}">
+                <a14:useLocalDpi xmlns:a14="http://schemas.microsoft.com/office/drawing/2010/main" val="0"/>
+              </a:ext>
+            </a:extLst>
+          </a:blip>
+          <a:srcRect/>
+          <a:stretch>
+            <a:fillRect/>
+          </a:stretch>
+        </p:blipFill>
+        <p:spPr bwMode="auto">
+          <a:xfrm>
+            <a:off x="1238250" y="1552575"/>
+            <a:ext cx="6667500" cy="3752850"/>
+          </a:xfrm>
+          <a:prstGeom prst="rect">
+            <a:avLst/>
+          </a:prstGeom>
+          <a:noFill/>
+          <a:ln>
+            <a:noFill/>
+          </a:ln>
+          <a:extLst>
+            <a:ext uri="{909E8E84-426E-40DD-AFC4-6F175D3DCCD1}">
+              <a14:hiddenFill xmlns:a14="http://schemas.microsoft.com/office/drawing/2010/main">
+                <a:solidFill>
+                  <a:srgbClr val="FFFFFF"/>
+                </a:solidFill>
+              </a14:hiddenFill>
+            </a:ext>
+            <a:ext uri="{91240B29-F687-4F45-9708-019B960494DF}">
+              <a14:hiddenLine xmlns:a14="http://schemas.microsoft.com/office/drawing/2010/main" w="9525">
+                <a:solidFill>
+                  <a:srgbClr val="000000"/>
+                </a:solidFill>
+                <a:miter lim="800000"/>
+                <a:headEnd/>
+                <a:tailEnd/>
+              </a14:hiddenLine>
+            </a:ext>
+          </a:extLst>
+        </p:spPr>
+      </p:pic>
+      <p:pic>
+        <p:nvPicPr>
+          <p:cNvPr id="13319" name="图片 13318" descr="timg?image&amp;quality=80&amp;size=b9999_10000&amp;sec=1598988152373&amp;di=4cd72238a9274893fd3aceb62591807e&amp;imgtype=0&amp;src=http%3A%2F%2F5b0988e595225">
+            <a:extLst>
+              <a:ext uri="{FF2B5EF4-FFF2-40B4-BE49-F238E27FC236}">
+                <a16:creationId xmlns:a16="http://schemas.microsoft.com/office/drawing/2014/main" id="{EE280F4D-BA18-4BED-98F8-036F782079D0}"/>
+              </a:ext>
+            </a:extLst>
+          </p:cNvPr>
+          <p:cNvPicPr>
+            <a:picLocks noChangeAspect="1" noChangeArrowheads="1"/>
+          </p:cNvPicPr>
+          <p:nvPr/>
+        </p:nvPicPr>
+        <p:blipFill>
+          <a:blip r:embed="rId3">
+            <a:extLst>
+              <a:ext uri="{28A0092B-C50C-407E-A947-70E740481C1C}">
+                <a14:useLocalDpi xmlns:a14="http://schemas.microsoft.com/office/drawing/2010/main" val="0"/>
+              </a:ext>
+            </a:extLst>
+          </a:blip>
+          <a:srcRect/>
+          <a:stretch>
+            <a:fillRect/>
+          </a:stretch>
+        </p:blipFill>
+        <p:spPr bwMode="auto">
+          <a:xfrm>
+            <a:off x="1803400" y="771525"/>
+            <a:ext cx="6124575" cy="5314950"/>
+          </a:xfrm>
+          <a:prstGeom prst="rect">
+            <a:avLst/>
+          </a:prstGeom>
+          <a:noFill/>
+          <a:ln>
+            <a:noFill/>
+          </a:ln>
+          <a:extLst>
+            <a:ext uri="{909E8E84-426E-40DD-AFC4-6F175D3DCCD1}">
+              <a14:hiddenFill xmlns:a14="http://schemas.microsoft.com/office/drawing/2010/main">
+                <a:solidFill>
+                  <a:srgbClr val="FFFFFF"/>
+                </a:solidFill>
+              </a14:hiddenFill>
+            </a:ext>
+            <a:ext uri="{91240B29-F687-4F45-9708-019B960494DF}">
+              <a14:hiddenLine xmlns:a14="http://schemas.microsoft.com/office/drawing/2010/main" w="9525">
+                <a:solidFill>
+                  <a:srgbClr val="000000"/>
+                </a:solidFill>
+                <a:miter lim="800000"/>
+                <a:headEnd/>
+                <a:tailEnd/>
+              </a14:hiddenLine>
+            </a:ext>
+          </a:extLst>
+        </p:spPr>
+      </p:pic>
+      <p:pic>
+        <p:nvPicPr>
+          <p:cNvPr id="13323" name="图片 13322" descr="timg?image&amp;quality=80&amp;size=b9999_10000&amp;sec=1598988463410&amp;di=2bc638b16bbe2e503d6477755ba11d1d&amp;imgtype=0&amp;src=http%3A%2F%2Fimg">
+            <a:extLst>
+              <a:ext uri="{FF2B5EF4-FFF2-40B4-BE49-F238E27FC236}">
+                <a16:creationId xmlns:a16="http://schemas.microsoft.com/office/drawing/2014/main" id="{84B82BFE-2340-451B-A42B-7B54A1E38123}"/>
+              </a:ext>
+            </a:extLst>
+          </p:cNvPr>
+          <p:cNvPicPr>
+            <a:picLocks noChangeAspect="1" noChangeArrowheads="1"/>
+          </p:cNvPicPr>
+          <p:nvPr/>
+        </p:nvPicPr>
+        <p:blipFill>
+          <a:blip r:embed="rId4">
+            <a:extLst>
+              <a:ext uri="{28A0092B-C50C-407E-A947-70E740481C1C}">
+                <a14:useLocalDpi xmlns:a14="http://schemas.microsoft.com/office/drawing/2010/main" val="0"/>
+              </a:ext>
+            </a:extLst>
+          </a:blip>
+          <a:srcRect/>
+          <a:stretch>
+            <a:fillRect/>
+          </a:stretch>
+        </p:blipFill>
+        <p:spPr bwMode="auto">
+          <a:xfrm>
+            <a:off x="1095375" y="1590675"/>
+            <a:ext cx="6953250" cy="3676650"/>
+          </a:xfrm>
+          <a:prstGeom prst="rect">
+            <a:avLst/>
+          </a:prstGeom>
+          <a:noFill/>
+          <a:ln>
+            <a:noFill/>
+          </a:ln>
+          <a:extLst>
+            <a:ext uri="{909E8E84-426E-40DD-AFC4-6F175D3DCCD1}">
+              <a14:hiddenFill xmlns:a14="http://schemas.microsoft.com/office/drawing/2010/main">
+                <a:solidFill>
+                  <a:srgbClr val="FFFFFF"/>
+                </a:solidFill>
+              </a14:hiddenFill>
+            </a:ext>
+            <a:ext uri="{91240B29-F687-4F45-9708-019B960494DF}">
+              <a14:hiddenLine xmlns:a14="http://schemas.microsoft.com/office/drawing/2010/main" w="9525">
+                <a:solidFill>
+                  <a:srgbClr val="000000"/>
+                </a:solidFill>
+                <a:miter lim="800000"/>
+                <a:headEnd/>
+                <a:tailEnd/>
+              </a14:hiddenLine>
+            </a:ext>
+          </a:extLst>
+        </p:spPr>
+      </p:pic>
+    </p:spTree>
+  </p:cSld>
+  <p:clrMapOvr>
+    <a:masterClrMapping/>
+  </p:clrMapOvr>
+  <p:transition spd="slow"/>
+  <p:timing>
+    <p:tnLst>
+      <p:par>
+        <p:cTn id="1" dur="indefinite" restart="never" nodeType="tmRoot">
+          <p:childTnLst>
+            <p:seq concurrent="1" nextAc="seek">
+              <p:cTn id="2" dur="indefinite" nodeType="mainSeq">
+                <p:childTnLst>
+                  <p:par>
+                    <p:cTn id="3" fill="hold" nodeType="clickPar">
+                      <p:stCondLst>
+                        <p:cond delay="indefinite"/>
+                      </p:stCondLst>
+                      <p:childTnLst>
+                        <p:par>
+                          <p:cTn id="4" fill="hold" nodeType="withGroup">
+                            <p:stCondLst>
+                              <p:cond delay="0"/>
+                            </p:stCondLst>
+                            <p:childTnLst>
+                              <p:par>
+                                <p:cTn id="5" presetID="1" presetClass="exit" presetSubtype="0" fill="hold" nodeType="clickEffect">
+                                  <p:stCondLst>
+                                    <p:cond delay="0"/>
+                                  </p:stCondLst>
+                                  <p:childTnLst>
+                                    <p:set>
+                                      <p:cBhvr>
+                                        <p:cTn id="6" dur="1" fill="hold">
+                                          <p:stCondLst>
+                                            <p:cond delay="0"/>
+                                          </p:stCondLst>
+                                        </p:cTn>
+                                        <p:tgtEl>
+                                          <p:spTgt spid="13317"/>
+                                        </p:tgtEl>
+                                        <p:attrNameLst>
+                                          <p:attrName>style.visibility</p:attrName>
+                                        </p:attrNameLst>
+                                      </p:cBhvr>
+                                      <p:to>
+                                        <p:strVal val="hidden"/>
+                                      </p:to>
+                                    </p:set>
+                                  </p:childTnLst>
+                                </p:cTn>
+                              </p:par>
+                            </p:childTnLst>
+                          </p:cTn>
+                        </p:par>
+                      </p:childTnLst>
+                    </p:cTn>
+                  </p:par>
+                  <p:par>
+                    <p:cTn id="7" fill="hold" nodeType="clickPar">
+                      <p:stCondLst>
+                        <p:cond delay="indefinite"/>
+                      </p:stCondLst>
+                      <p:childTnLst>
+                        <p:par>
+                          <p:cTn id="8" fill="hold" nodeType="withGroup">
+                            <p:stCondLst>
+                              <p:cond delay="0"/>
+                            </p:stCondLst>
+                            <p:childTnLst>
+                              <p:par>
+                                <p:cTn id="9" presetID="2" presetClass="entr" presetSubtype="4" fill="hold" nodeType="clickEffect">
+                                  <p:stCondLst>
+                                    <p:cond delay="0"/>
+                                  </p:stCondLst>
+                                  <p:childTnLst>
+                                    <p:set>
+                                      <p:cBhvr>
+                                        <p:cTn id="10" dur="1" fill="hold">
+                                          <p:stCondLst>
+                                            <p:cond delay="0"/>
+                                          </p:stCondLst>
+                                        </p:cTn>
+                                        <p:tgtEl>
+                                          <p:spTgt spid="13319"/>
+                                        </p:tgtEl>
+                                        <p:attrNameLst>
+                                          <p:attrName>style.visibility</p:attrName>
+                                        </p:attrNameLst>
+                                      </p:cBhvr>
+                                      <p:to>
+                                        <p:strVal val="visible"/>
+                                      </p:to>
+                                    </p:set>
+                                    <p:anim calcmode="lin" valueType="num">
+                                      <p:cBhvr additive="base">
+                                        <p:cTn id="11" dur="500" fill="hold"/>
+                                        <p:tgtEl>
+                                          <p:spTgt spid="13319"/>
+                                        </p:tgtEl>
+                                        <p:attrNameLst>
+                                          <p:attrName>ppt_x</p:attrName>
+                                        </p:attrNameLst>
+                                      </p:cBhvr>
+                                      <p:tavLst>
+                                        <p:tav tm="0">
+                                          <p:val>
+                                            <p:strVal val="#ppt_x"/>
+                                          </p:val>
+                                        </p:tav>
+                                        <p:tav tm="100000">
+                                          <p:val>
+                                            <p:strVal val="#ppt_x"/>
+                                          </p:val>
+                                        </p:tav>
+                                      </p:tavLst>
+                                    </p:anim>
+                                    <p:anim calcmode="lin" valueType="num">
+                                      <p:cBhvr additive="base">
+                                        <p:cTn id="12" dur="500" fill="hold"/>
+                                        <p:tgtEl>
+                                          <p:spTgt spid="13319"/>
+                                        </p:tgtEl>
+                                        <p:attrNameLst>
+                                          <p:attrName>ppt_y</p:attrName>
+                                        </p:attrNameLst>
+                                      </p:cBhvr>
+                                      <p:tavLst>
+                                        <p:tav tm="0">
+                                          <p:val>
+                                            <p:strVal val="1+#ppt_h/2"/>
+                                          </p:val>
+                                        </p:tav>
+                                        <p:tav tm="100000">
+                                          <p:val>
+                                            <p:strVal val="#ppt_y"/>
+                                          </p:val>
+                                        </p:tav>
+                                      </p:tavLst>
+                                    </p:anim>
+                                  </p:childTnLst>
+                                </p:cTn>
+                              </p:par>
+                            </p:childTnLst>
+                          </p:cTn>
+                        </p:par>
+                      </p:childTnLst>
+                    </p:cTn>
+                  </p:par>
+                  <p:par>
+                    <p:cTn id="13" fill="hold" nodeType="clickPar">
+                      <p:stCondLst>
+                        <p:cond delay="indefinite"/>
+                      </p:stCondLst>
+                      <p:childTnLst>
+                        <p:par>
+                          <p:cTn id="14" fill="hold" nodeType="withGroup">
+                            <p:stCondLst>
+                              <p:cond delay="0"/>
+                            </p:stCondLst>
+                            <p:childTnLst>
+                              <p:par>
+                                <p:cTn id="15" presetID="1" presetClass="exit" presetSubtype="0" fill="hold" nodeType="clickEffect">
+                                  <p:stCondLst>
+                                    <p:cond delay="0"/>
+                                  </p:stCondLst>
+                                  <p:childTnLst>
+                                    <p:set>
+                                      <p:cBhvr>
+                                        <p:cTn id="16" dur="1" fill="hold">
+                                          <p:stCondLst>
+                                            <p:cond delay="0"/>
+                                          </p:stCondLst>
+                                        </p:cTn>
+                                        <p:tgtEl>
+                                          <p:spTgt spid="13319"/>
+                                        </p:tgtEl>
+                                        <p:attrNameLst>
+                                          <p:attrName>style.visibility</p:attrName>
+                                        </p:attrNameLst>
+                                      </p:cBhvr>
+                                      <p:to>
+                                        <p:strVal val="hidden"/>
+                                      </p:to>
+                                    </p:set>
+                                  </p:childTnLst>
+                                </p:cTn>
+                              </p:par>
+                            </p:childTnLst>
+                          </p:cTn>
+                        </p:par>
+                      </p:childTnLst>
+                    </p:cTn>
+                  </p:par>
+                  <p:par>
+                    <p:cTn id="17" fill="hold" nodeType="clickPar">
+                      <p:stCondLst>
+                        <p:cond delay="indefinite"/>
+                      </p:stCondLst>
+                      <p:childTnLst>
+                        <p:par>
+                          <p:cTn id="18" fill="hold" nodeType="withGroup">
+                            <p:stCondLst>
+                              <p:cond delay="0"/>
+                            </p:stCondLst>
+                            <p:childTnLst>
+                              <p:par>
+                                <p:cTn id="19" presetID="2" presetClass="entr" presetSubtype="4" fill="hold" nodeType="clickEffect">
+                                  <p:stCondLst>
+                                    <p:cond delay="0"/>
+                                  </p:stCondLst>
+                                  <p:childTnLst>
+                                    <p:set>
+                                      <p:cBhvr>
+                                        <p:cTn id="20" dur="1" fill="hold">
+                                          <p:stCondLst>
+                                            <p:cond delay="0"/>
+                                          </p:stCondLst>
+                                        </p:cTn>
+                                        <p:tgtEl>
+                                          <p:spTgt spid="13323"/>
+                                        </p:tgtEl>
+                                        <p:attrNameLst>
+                                          <p:attrName>style.visibility</p:attrName>
+                                        </p:attrNameLst>
+                                      </p:cBhvr>
+                                      <p:to>
+                                        <p:strVal val="visible"/>
+                                      </p:to>
+                                    </p:set>
+                                    <p:anim calcmode="lin" valueType="num">
+                                      <p:cBhvr additive="base">
+                                        <p:cTn id="21" dur="500" fill="hold"/>
+                                        <p:tgtEl>
+                                          <p:spTgt spid="13323"/>
+                                        </p:tgtEl>
+                                        <p:attrNameLst>
+                                          <p:attrName>ppt_x</p:attrName>
+                                        </p:attrNameLst>
+                                      </p:cBhvr>
+                                      <p:tavLst>
+                                        <p:tav tm="0">
+                                          <p:val>
+                                            <p:strVal val="#ppt_x"/>
+                                          </p:val>
+                                        </p:tav>
+                                        <p:tav tm="100000">
+                                          <p:val>
+                                            <p:strVal val="#ppt_x"/>
+                                          </p:val>
+                                        </p:tav>
+                                      </p:tavLst>
+                                    </p:anim>
+                                    <p:anim calcmode="lin" valueType="num">
+                                      <p:cBhvr additive="base">
+                                        <p:cTn id="22" dur="500" fill="hold"/>
+                                        <p:tgtEl>
+                                          <p:spTgt spid="13323"/>
+                                        </p:tgtEl>
+                                        <p:attrNameLst>
+                                          <p:attrName>ppt_y</p:attrName>
+                                        </p:attrNameLst>
+                                      </p:cBhvr>
+                                      <p:tavLst>
+                                        <p:tav tm="0">
+                                          <p:val>
+                                            <p:strVal val="1+#ppt_h/2"/>
+                                          </p:val>
+                                        </p:tav>
+                                        <p:tav tm="100000">
+                                          <p:val>
+                                            <p:strVal val="#ppt_y"/>
+                                          </p:val>
+                                        </p:tav>
+                                      </p:tavLst>
+                                    </p:anim>
+                                  </p:childTnLst>
+                                </p:cTn>
+                              </p:par>
+                            </p:childTnLst>
+                          </p:cTn>
+                        </p:par>
+                      </p:childTnLst>
+                    </p:cTn>
+                  </p:par>
+                  <p:par>
+                    <p:cTn id="23" fill="hold" nodeType="clickPar">
+                      <p:stCondLst>
+                        <p:cond delay="indefinite"/>
+                      </p:stCondLst>
+                      <p:childTnLst>
+                        <p:par>
+                          <p:cTn id="24" fill="hold" nodeType="withGroup">
+                            <p:stCondLst>
+                              <p:cond delay="0"/>
+                            </p:stCondLst>
+                            <p:childTnLst>
+                              <p:par>
+                                <p:cTn id="25" presetID="1" presetClass="exit" presetSubtype="0" fill="hold" nodeType="clickEffect">
+                                  <p:stCondLst>
+                                    <p:cond delay="0"/>
+                                  </p:stCondLst>
+                                  <p:childTnLst>
+                                    <p:set>
+                                      <p:cBhvr>
+                                        <p:cTn id="26" dur="1" fill="hold">
+                                          <p:stCondLst>
+                                            <p:cond delay="0"/>
+                                          </p:stCondLst>
+                                        </p:cTn>
+                                        <p:tgtEl>
+                                          <p:spTgt spid="13323"/>
+                                        </p:tgtEl>
+                                        <p:attrNameLst>
+                                          <p:attrName>style.visibility</p:attrName>
+                                        </p:attrNameLst>
+                                      </p:cBhvr>
+                                      <p:to>
+                                        <p:strVal val="hidden"/>
+                                      </p:to>
+                                    </p:set>
+                                  </p:childTnLst>
+                                </p:cTn>
+                              </p:par>
+                            </p:childTnLst>
+                          </p:cTn>
+                        </p:par>
+                      </p:childTnLst>
+                    </p:cTn>
+                  </p:par>
+                </p:childTnLst>
+              </p:cTn>
+              <p:prevCondLst>
+                <p:cond evt="onPrev" delay="0">
+                  <p:tgtEl>
+                    <p:sldTgt/>
+                  </p:tgtEl>
+                </p:cond>
+              </p:prevCondLst>
+              <p:nextCondLst>
+                <p:cond evt="onNext" delay="0">
+                  <p:tgtEl>
+                    <p:sldTgt/>
+                  </p:tgtEl>
+                </p:cond>
+              </p:nextCondLst>
+            </p:seq>
+          </p:childTnLst>
+        </p:cTn>
+      </p:par>
+    </p:tnLst>
+  </p:timing>
+</p:sld>
+</file>
+
+<file path=ppt/slides/slide13.xml><?xml version="1.0" encoding="utf-8"?>
 <p:sld xmlns:a="http://schemas.openxmlformats.org/drawingml/2006/main" xmlns:r="http://schemas.openxmlformats.org/officeDocument/2006/relationships" xmlns:p="http://schemas.openxmlformats.org/presentationml/2006/main">
   <p:cSld>
     <p:spTree>
@@ -10898,7 +11747,7 @@
 </p:sld>
 </file>
 
-<file path=ppt/slides/slide12.xml><?xml version="1.0" encoding="utf-8"?>
+<file path=ppt/slides/slide14.xml><?xml version="1.0" encoding="utf-8"?>
 <p:sld xmlns:a="http://schemas.openxmlformats.org/drawingml/2006/main" xmlns:r="http://schemas.openxmlformats.org/officeDocument/2006/relationships" xmlns:p="http://schemas.openxmlformats.org/presentationml/2006/main">
   <p:cSld>
     <p:spTree>
@@ -10984,7 +11833,93 @@
 </p:sld>
 </file>
 
-<file path=ppt/slides/slide13.xml><?xml version="1.0" encoding="utf-8"?>
+<file path=ppt/slides/slide15.xml><?xml version="1.0" encoding="utf-8"?>
+<p:sld xmlns:a="http://schemas.openxmlformats.org/drawingml/2006/main" xmlns:r="http://schemas.openxmlformats.org/officeDocument/2006/relationships" xmlns:p="http://schemas.openxmlformats.org/presentationml/2006/main">
+  <p:cSld>
+    <p:spTree>
+      <p:nvGrpSpPr>
+        <p:cNvPr id="1" name=""/>
+        <p:cNvGrpSpPr/>
+        <p:nvPr/>
+      </p:nvGrpSpPr>
+      <p:grpSpPr>
+        <a:xfrm>
+          <a:off x="0" y="0"/>
+          <a:ext cx="0" cy="0"/>
+          <a:chOff x="0" y="0"/>
+          <a:chExt cx="0" cy="0"/>
+        </a:xfrm>
+      </p:grpSpPr>
+      <p:pic>
+        <p:nvPicPr>
+          <p:cNvPr id="19457" name="图片 39939" descr="u=1745039786,3878037885&amp;fm=26&amp;gp=0">
+            <a:extLst>
+              <a:ext uri="{FF2B5EF4-FFF2-40B4-BE49-F238E27FC236}">
+                <a16:creationId xmlns:a16="http://schemas.microsoft.com/office/drawing/2014/main" id="{6844407D-0FA2-4097-84A3-E1F6ACD3137B}"/>
+              </a:ext>
+            </a:extLst>
+          </p:cNvPr>
+          <p:cNvPicPr>
+            <a:picLocks noChangeAspect="1" noChangeArrowheads="1"/>
+          </p:cNvPicPr>
+          <p:nvPr/>
+        </p:nvPicPr>
+        <p:blipFill>
+          <a:blip r:embed="rId2">
+            <a:extLst>
+              <a:ext uri="{28A0092B-C50C-407E-A947-70E740481C1C}">
+                <a14:useLocalDpi xmlns:a14="http://schemas.microsoft.com/office/drawing/2010/main" val="0"/>
+              </a:ext>
+            </a:extLst>
+          </a:blip>
+          <a:srcRect/>
+          <a:stretch>
+            <a:fillRect/>
+          </a:stretch>
+        </p:blipFill>
+        <p:spPr bwMode="auto">
+          <a:xfrm>
+            <a:off x="1373188" y="1436688"/>
+            <a:ext cx="6664325" cy="4151312"/>
+          </a:xfrm>
+          <a:prstGeom prst="rect">
+            <a:avLst/>
+          </a:prstGeom>
+          <a:noFill/>
+          <a:ln>
+            <a:noFill/>
+          </a:ln>
+          <a:extLst>
+            <a:ext uri="{909E8E84-426E-40DD-AFC4-6F175D3DCCD1}">
+              <a14:hiddenFill xmlns:a14="http://schemas.microsoft.com/office/drawing/2010/main">
+                <a:solidFill>
+                  <a:srgbClr val="FFFFFF"/>
+                </a:solidFill>
+              </a14:hiddenFill>
+            </a:ext>
+            <a:ext uri="{91240B29-F687-4F45-9708-019B960494DF}">
+              <a14:hiddenLine xmlns:a14="http://schemas.microsoft.com/office/drawing/2010/main" w="9525">
+                <a:solidFill>
+                  <a:srgbClr val="000000"/>
+                </a:solidFill>
+                <a:miter lim="800000"/>
+                <a:headEnd/>
+                <a:tailEnd/>
+              </a14:hiddenLine>
+            </a:ext>
+          </a:extLst>
+        </p:spPr>
+      </p:pic>
+    </p:spTree>
+  </p:cSld>
+  <p:clrMapOvr>
+    <a:masterClrMapping/>
+  </p:clrMapOvr>
+  <p:transition spd="slow"/>
+</p:sld>
+</file>
+
+<file path=ppt/slides/slide16.xml><?xml version="1.0" encoding="utf-8"?>
 <p:sld xmlns:a="http://schemas.openxmlformats.org/drawingml/2006/main" xmlns:r="http://schemas.openxmlformats.org/officeDocument/2006/relationships" xmlns:p="http://schemas.openxmlformats.org/presentationml/2006/main">
   <p:cSld>
     <p:spTree>
@@ -11745,7 +12680,7 @@
 </p:sld>
 </file>
 
-<file path=ppt/slides/slide14.xml><?xml version="1.0" encoding="utf-8"?>
+<file path=ppt/slides/slide17.xml><?xml version="1.0" encoding="utf-8"?>
 <p:sld xmlns:a="http://schemas.openxmlformats.org/drawingml/2006/main" xmlns:r="http://schemas.openxmlformats.org/officeDocument/2006/relationships" xmlns:p="http://schemas.openxmlformats.org/presentationml/2006/main">
   <p:cSld>
     <p:spTree>
@@ -17238,7 +18173,7 @@
 </p:sld>
 </file>
 
-<file path=ppt/slides/slide15.xml><?xml version="1.0" encoding="utf-8"?>
+<file path=ppt/slides/slide18.xml><?xml version="1.0" encoding="utf-8"?>
 <p:sld xmlns:a="http://schemas.openxmlformats.org/drawingml/2006/main" xmlns:r="http://schemas.openxmlformats.org/officeDocument/2006/relationships" xmlns:p="http://schemas.openxmlformats.org/presentationml/2006/main">
   <p:cSld>
     <p:spTree>
@@ -18703,7 +19638,7 @@
 </p:sld>
 </file>
 
-<file path=ppt/slides/slide16.xml><?xml version="1.0" encoding="utf-8"?>
+<file path=ppt/slides/slide19.xml><?xml version="1.0" encoding="utf-8"?>
 <p:sld xmlns:a="http://schemas.openxmlformats.org/drawingml/2006/main" xmlns:r="http://schemas.openxmlformats.org/officeDocument/2006/relationships" xmlns:p="http://schemas.openxmlformats.org/presentationml/2006/main">
   <p:cSld>
     <p:spTree>
@@ -25162,7 +26097,7 @@
               </a:extLst>
             </a:pPr>
             <a:r>
-              <a:rPr lang="zh-CN" altLang="en-US" sz="2400">
+              <a:rPr lang="zh-CN" altLang="en-US" sz="2400" dirty="0">
                 <a:solidFill>
                   <a:srgbClr val="0070C0"/>
                 </a:solidFill>
@@ -25172,7 +26107,7 @@
               <a:t>信息技术学业水平测试科目合格</a:t>
             </a:r>
             <a:r>
-              <a:rPr lang="zh-CN" altLang="en-US" sz="2400">
+              <a:rPr lang="zh-CN" altLang="en-US" sz="2400" dirty="0">
                 <a:solidFill>
                   <a:schemeClr val="tx1">
                     <a:lumMod val="75000"/>
@@ -25185,7 +26120,7 @@
               <a:t>是高级中等教育学校应届毕业生、及社会往届考生</a:t>
             </a:r>
             <a:r>
-              <a:rPr lang="zh-CN" altLang="en-US" sz="2400">
+              <a:rPr lang="zh-CN" altLang="en-US" sz="2400" dirty="0">
                 <a:solidFill>
                   <a:srgbClr val="0070C0"/>
                 </a:solidFill>
@@ -25195,7 +26130,7 @@
               <a:t>填报志愿必须满足的条件</a:t>
             </a:r>
             <a:r>
-              <a:rPr lang="zh-CN" altLang="en-US" sz="2400">
+              <a:rPr lang="zh-CN" altLang="en-US" sz="2400" dirty="0">
                 <a:solidFill>
                   <a:schemeClr val="tx1">
                     <a:lumMod val="75000"/>
@@ -25225,7 +26160,7 @@
               </a:extLst>
             </a:pPr>
             <a:r>
-              <a:rPr lang="zh-CN" altLang="en-US" sz="2400">
+              <a:rPr lang="zh-CN" altLang="en-US" sz="2400" dirty="0">
                 <a:solidFill>
                   <a:schemeClr val="tx1">
                     <a:lumMod val="75000"/>
@@ -25238,7 +26173,7 @@
               <a:t>信息技术学业水平测试是普通高中学业水平测试的组成部分，也是</a:t>
             </a:r>
             <a:r>
-              <a:rPr lang="zh-CN" altLang="en-US" sz="2400">
+              <a:rPr lang="zh-CN" altLang="en-US" sz="2400" dirty="0">
                 <a:solidFill>
                   <a:srgbClr val="0070C0"/>
                 </a:solidFill>
@@ -25248,7 +26183,7 @@
               <a:t>高校录取的参考之一</a:t>
             </a:r>
             <a:r>
-              <a:rPr lang="zh-CN" altLang="en-US" sz="2400">
+              <a:rPr lang="zh-CN" altLang="en-US" sz="2400" dirty="0">
                 <a:solidFill>
                   <a:schemeClr val="tx1">
                     <a:lumMod val="75000"/>
@@ -25623,11 +26558,16 @@
             <a:picLocks noChangeAspect="1" noChangeArrowheads="1"/>
           </p:cNvPicPr>
           <p:nvPr>
-            <a:videoFile r:link="rId1"/>
+            <a:videoFile r:link="rId2"/>
+            <p:extLst>
+              <p:ext uri="{DAA4B4D4-6D71-4841-9C94-3DE7FCFB9230}">
+                <p14:media xmlns:p14="http://schemas.microsoft.com/office/powerpoint/2010/main" r:link="rId1"/>
+              </p:ext>
+            </p:extLst>
           </p:nvPr>
         </p:nvPicPr>
         <p:blipFill>
-          <a:blip r:embed="rId3">
+          <a:blip r:embed="rId4">
             <a:extLst>
               <a:ext uri="{28A0092B-C50C-407E-A947-70E740481C1C}">
                 <a14:useLocalDpi xmlns:a14="http://schemas.microsoft.com/office/drawing/2010/main" val="0"/>
@@ -26157,6 +27097,1260 @@
 </file>
 
 <file path=ppt/slides/slide8.xml><?xml version="1.0" encoding="utf-8"?>
+<p:sld xmlns:a="http://schemas.openxmlformats.org/drawingml/2006/main" xmlns:r="http://schemas.openxmlformats.org/officeDocument/2006/relationships" xmlns:p="http://schemas.openxmlformats.org/presentationml/2006/main">
+  <p:cSld>
+    <p:spTree>
+      <p:nvGrpSpPr>
+        <p:cNvPr id="1" name=""/>
+        <p:cNvGrpSpPr/>
+        <p:nvPr/>
+      </p:nvGrpSpPr>
+      <p:grpSpPr>
+        <a:xfrm>
+          <a:off x="0" y="0"/>
+          <a:ext cx="0" cy="0"/>
+          <a:chOff x="0" y="0"/>
+          <a:chExt cx="0" cy="0"/>
+        </a:xfrm>
+      </p:grpSpPr>
+      <p:sp>
+        <p:nvSpPr>
+          <p:cNvPr id="12289" name="文本框 2">
+            <a:extLst>
+              <a:ext uri="{FF2B5EF4-FFF2-40B4-BE49-F238E27FC236}">
+                <a16:creationId xmlns:a16="http://schemas.microsoft.com/office/drawing/2014/main" id="{1DA18302-49C2-40FB-8479-A06F0EA833EC}"/>
+              </a:ext>
+            </a:extLst>
+          </p:cNvPr>
+          <p:cNvSpPr txBox="1">
+            <a:spLocks noChangeArrowheads="1"/>
+          </p:cNvSpPr>
+          <p:nvPr/>
+        </p:nvSpPr>
+        <p:spPr bwMode="auto">
+          <a:xfrm>
+            <a:off x="377825" y="1638300"/>
+            <a:ext cx="7751763" cy="4108450"/>
+          </a:xfrm>
+          <a:prstGeom prst="rect">
+            <a:avLst/>
+          </a:prstGeom>
+          <a:noFill/>
+          <a:ln>
+            <a:noFill/>
+          </a:ln>
+          <a:extLst>
+            <a:ext uri="{909E8E84-426E-40DD-AFC4-6F175D3DCCD1}">
+              <a14:hiddenFill xmlns:a14="http://schemas.microsoft.com/office/drawing/2010/main">
+                <a:solidFill>
+                  <a:srgbClr val="FFFFFF"/>
+                </a:solidFill>
+              </a14:hiddenFill>
+            </a:ext>
+            <a:ext uri="{91240B29-F687-4F45-9708-019B960494DF}">
+              <a14:hiddenLine xmlns:a14="http://schemas.microsoft.com/office/drawing/2010/main" w="9525">
+                <a:solidFill>
+                  <a:srgbClr val="000000"/>
+                </a:solidFill>
+                <a:miter lim="800000"/>
+                <a:headEnd/>
+                <a:tailEnd/>
+              </a14:hiddenLine>
+            </a:ext>
+          </a:extLst>
+        </p:spPr>
+        <p:txBody>
+          <a:bodyPr>
+            <a:spAutoFit/>
+          </a:bodyPr>
+          <a:lstStyle/>
+          <a:p>
+            <a:r>
+              <a:rPr lang="zh-CN" altLang="en-US" sz="2400">
+                <a:solidFill>
+                  <a:srgbClr val="767171"/>
+                </a:solidFill>
+                <a:latin typeface="楷体" panose="02010609060101010101" pitchFamily="49" charset="-122"/>
+                <a:sym typeface="+mn-ea"/>
+              </a:rPr>
+              <a:t>人工智能</a:t>
+            </a:r>
+            <a:r>
+              <a:rPr lang="en-US" altLang="zh-CN" sz="2400">
+                <a:solidFill>
+                  <a:srgbClr val="767171"/>
+                </a:solidFill>
+                <a:latin typeface="楷体" panose="02010609060101010101" pitchFamily="49" charset="-122"/>
+                <a:sym typeface="+mn-ea"/>
+              </a:rPr>
+              <a:t>AI</a:t>
+            </a:r>
+            <a:r>
+              <a:rPr lang="zh-CN" altLang="en-US" sz="2400">
+                <a:solidFill>
+                  <a:srgbClr val="767171"/>
+                </a:solidFill>
+                <a:latin typeface="楷体" panose="02010609060101010101" pitchFamily="49" charset="-122"/>
+                <a:sym typeface="+mn-ea"/>
+              </a:rPr>
+              <a:t>：</a:t>
+            </a:r>
+          </a:p>
+          <a:p>
+            <a:r>
+              <a:rPr lang="zh-CN" altLang="en-US" sz="2400">
+                <a:solidFill>
+                  <a:srgbClr val="767171"/>
+                </a:solidFill>
+                <a:latin typeface="楷体" panose="02010609060101010101" pitchFamily="49" charset="-122"/>
+                <a:sym typeface="+mn-ea"/>
+              </a:rPr>
+              <a:t>    人脸识别（火车、上班签到、支付宝）</a:t>
+            </a:r>
+          </a:p>
+          <a:p>
+            <a:r>
+              <a:rPr lang="zh-CN" altLang="en-US" sz="2400">
+                <a:solidFill>
+                  <a:srgbClr val="767171"/>
+                </a:solidFill>
+                <a:latin typeface="楷体" panose="02010609060101010101" pitchFamily="49" charset="-122"/>
+                <a:sym typeface="+mn-ea"/>
+              </a:rPr>
+              <a:t>    无人驾驶</a:t>
+            </a:r>
+          </a:p>
+          <a:p>
+            <a:r>
+              <a:rPr lang="zh-CN" altLang="en-US" sz="2400">
+                <a:solidFill>
+                  <a:srgbClr val="767171"/>
+                </a:solidFill>
+                <a:latin typeface="楷体" panose="02010609060101010101" pitchFamily="49" charset="-122"/>
+                <a:sym typeface="+mn-ea"/>
+              </a:rPr>
+              <a:t>    医疗（医学影像）、教育</a:t>
+            </a:r>
+          </a:p>
+          <a:p>
+            <a:r>
+              <a:rPr lang="zh-CN" altLang="en-US" sz="2400">
+                <a:solidFill>
+                  <a:srgbClr val="767171"/>
+                </a:solidFill>
+                <a:latin typeface="楷体" panose="02010609060101010101" pitchFamily="49" charset="-122"/>
+                <a:sym typeface="+mn-ea"/>
+              </a:rPr>
+              <a:t>    银行机器人</a:t>
+            </a:r>
+          </a:p>
+          <a:p>
+            <a:r>
+              <a:rPr lang="zh-CN" altLang="en-US" sz="2400">
+                <a:solidFill>
+                  <a:srgbClr val="767171"/>
+                </a:solidFill>
+                <a:latin typeface="楷体" panose="02010609060101010101" pitchFamily="49" charset="-122"/>
+                <a:sym typeface="+mn-ea"/>
+              </a:rPr>
+              <a:t>    天猫精灵</a:t>
+            </a:r>
+          </a:p>
+          <a:p>
+            <a:r>
+              <a:rPr lang="zh-CN" altLang="en-US" sz="2400">
+                <a:solidFill>
+                  <a:srgbClr val="767171"/>
+                </a:solidFill>
+                <a:latin typeface="楷体" panose="02010609060101010101" pitchFamily="49" charset="-122"/>
+                <a:sym typeface="+mn-ea"/>
+              </a:rPr>
+              <a:t>大数据：</a:t>
+            </a:r>
+          </a:p>
+          <a:p>
+            <a:r>
+              <a:rPr lang="zh-CN" altLang="en-US" sz="2400">
+                <a:solidFill>
+                  <a:srgbClr val="767171"/>
+                </a:solidFill>
+                <a:latin typeface="楷体" panose="02010609060101010101" pitchFamily="49" charset="-122"/>
+                <a:sym typeface="+mn-ea"/>
+              </a:rPr>
+              <a:t>    精准推荐</a:t>
+            </a:r>
+          </a:p>
+          <a:p>
+            <a:r>
+              <a:rPr lang="zh-CN" altLang="en-US" sz="2400">
+                <a:solidFill>
+                  <a:srgbClr val="767171"/>
+                </a:solidFill>
+                <a:latin typeface="楷体" panose="02010609060101010101" pitchFamily="49" charset="-122"/>
+                <a:sym typeface="+mn-ea"/>
+              </a:rPr>
+              <a:t>    预测交通状况  导航规划路线</a:t>
+            </a:r>
+          </a:p>
+          <a:p>
+            <a:r>
+              <a:rPr lang="zh-CN" altLang="en-US" sz="2400">
+                <a:solidFill>
+                  <a:srgbClr val="767171"/>
+                </a:solidFill>
+                <a:latin typeface="楷体" panose="02010609060101010101" pitchFamily="49" charset="-122"/>
+                <a:sym typeface="+mn-ea"/>
+              </a:rPr>
+              <a:t>    行程卡</a:t>
+            </a:r>
+          </a:p>
+          <a:p>
+            <a:r>
+              <a:rPr lang="zh-CN" altLang="en-US" sz="2400">
+                <a:solidFill>
+                  <a:srgbClr val="767171"/>
+                </a:solidFill>
+                <a:latin typeface="楷体" panose="02010609060101010101" pitchFamily="49" charset="-122"/>
+                <a:sym typeface="+mn-ea"/>
+              </a:rPr>
+              <a:t>虚拟现实：</a:t>
+            </a:r>
+            <a:r>
+              <a:rPr lang="en-US" altLang="zh-CN" sz="2400">
+                <a:solidFill>
+                  <a:srgbClr val="767171"/>
+                </a:solidFill>
+                <a:latin typeface="楷体" panose="02010609060101010101" pitchFamily="49" charset="-122"/>
+                <a:sym typeface="+mn-ea"/>
+              </a:rPr>
+              <a:t>···</a:t>
+            </a:r>
+          </a:p>
+        </p:txBody>
+      </p:sp>
+      <p:pic>
+        <p:nvPicPr>
+          <p:cNvPr id="34821" name="图片 34820" descr="timg?image&amp;quality=80&amp;size=b9999_10000&amp;sec=1598987259607&amp;di=f4d9bf95cd3a86509a0cbc849ce7bf5b&amp;imgtype=0&amp;src=http%3A%2F%2Fwww">
+            <a:extLst>
+              <a:ext uri="{FF2B5EF4-FFF2-40B4-BE49-F238E27FC236}">
+                <a16:creationId xmlns:a16="http://schemas.microsoft.com/office/drawing/2014/main" id="{8656B6CD-6AD4-4ED6-B3E8-767DF4939F88}"/>
+              </a:ext>
+            </a:extLst>
+          </p:cNvPr>
+          <p:cNvPicPr>
+            <a:picLocks noChangeAspect="1" noChangeArrowheads="1"/>
+          </p:cNvPicPr>
+          <p:nvPr/>
+        </p:nvPicPr>
+        <p:blipFill>
+          <a:blip r:embed="rId2">
+            <a:extLst>
+              <a:ext uri="{28A0092B-C50C-407E-A947-70E740481C1C}">
+                <a14:useLocalDpi xmlns:a14="http://schemas.microsoft.com/office/drawing/2010/main" val="0"/>
+              </a:ext>
+            </a:extLst>
+          </a:blip>
+          <a:srcRect/>
+          <a:stretch>
+            <a:fillRect/>
+          </a:stretch>
+        </p:blipFill>
+        <p:spPr bwMode="auto">
+          <a:xfrm>
+            <a:off x="4775200" y="2544763"/>
+            <a:ext cx="3940175" cy="2424112"/>
+          </a:xfrm>
+          <a:prstGeom prst="rect">
+            <a:avLst/>
+          </a:prstGeom>
+          <a:noFill/>
+          <a:ln>
+            <a:noFill/>
+          </a:ln>
+          <a:extLst>
+            <a:ext uri="{909E8E84-426E-40DD-AFC4-6F175D3DCCD1}">
+              <a14:hiddenFill xmlns:a14="http://schemas.microsoft.com/office/drawing/2010/main">
+                <a:solidFill>
+                  <a:srgbClr val="FFFFFF"/>
+                </a:solidFill>
+              </a14:hiddenFill>
+            </a:ext>
+            <a:ext uri="{91240B29-F687-4F45-9708-019B960494DF}">
+              <a14:hiddenLine xmlns:a14="http://schemas.microsoft.com/office/drawing/2010/main" w="9525">
+                <a:solidFill>
+                  <a:srgbClr val="000000"/>
+                </a:solidFill>
+                <a:miter lim="800000"/>
+                <a:headEnd/>
+                <a:tailEnd/>
+              </a14:hiddenLine>
+            </a:ext>
+          </a:extLst>
+        </p:spPr>
+      </p:pic>
+      <p:pic>
+        <p:nvPicPr>
+          <p:cNvPr id="34823" name="图片 34822" descr="timg?image&amp;quality=80&amp;size=b9999_10000&amp;sec=1598987402713&amp;di=68659dd8b9ab33b65ba2d488b616d914&amp;imgtype=0&amp;src=http%3A%2F%2Fwww">
+            <a:extLst>
+              <a:ext uri="{FF2B5EF4-FFF2-40B4-BE49-F238E27FC236}">
+                <a16:creationId xmlns:a16="http://schemas.microsoft.com/office/drawing/2014/main" id="{AA2D72ED-8625-40D2-86F1-5143F78CAA0A}"/>
+              </a:ext>
+            </a:extLst>
+          </p:cNvPr>
+          <p:cNvPicPr>
+            <a:picLocks noChangeAspect="1" noChangeArrowheads="1"/>
+          </p:cNvPicPr>
+          <p:nvPr/>
+        </p:nvPicPr>
+        <p:blipFill>
+          <a:blip r:embed="rId3">
+            <a:extLst>
+              <a:ext uri="{28A0092B-C50C-407E-A947-70E740481C1C}">
+                <a14:useLocalDpi xmlns:a14="http://schemas.microsoft.com/office/drawing/2010/main" val="0"/>
+              </a:ext>
+            </a:extLst>
+          </a:blip>
+          <a:srcRect/>
+          <a:stretch>
+            <a:fillRect/>
+          </a:stretch>
+        </p:blipFill>
+        <p:spPr bwMode="auto">
+          <a:xfrm>
+            <a:off x="3381375" y="2546350"/>
+            <a:ext cx="5505450" cy="2811463"/>
+          </a:xfrm>
+          <a:prstGeom prst="rect">
+            <a:avLst/>
+          </a:prstGeom>
+          <a:noFill/>
+          <a:ln>
+            <a:noFill/>
+          </a:ln>
+          <a:extLst>
+            <a:ext uri="{909E8E84-426E-40DD-AFC4-6F175D3DCCD1}">
+              <a14:hiddenFill xmlns:a14="http://schemas.microsoft.com/office/drawing/2010/main">
+                <a:solidFill>
+                  <a:srgbClr val="FFFFFF"/>
+                </a:solidFill>
+              </a14:hiddenFill>
+            </a:ext>
+            <a:ext uri="{91240B29-F687-4F45-9708-019B960494DF}">
+              <a14:hiddenLine xmlns:a14="http://schemas.microsoft.com/office/drawing/2010/main" w="9525">
+                <a:solidFill>
+                  <a:srgbClr val="000000"/>
+                </a:solidFill>
+                <a:miter lim="800000"/>
+                <a:headEnd/>
+                <a:tailEnd/>
+              </a14:hiddenLine>
+            </a:ext>
+          </a:extLst>
+        </p:spPr>
+      </p:pic>
+      <p:pic>
+        <p:nvPicPr>
+          <p:cNvPr id="34825" name="图片 34824" descr="timg?image&amp;quality=80&amp;size=b9999_10000&amp;sec=1598987699252&amp;di=68483fe95dc682131d5dbc690e8a5424&amp;imgtype=0&amp;src=http%3A%2F%2F5b0988e595225">
+            <a:extLst>
+              <a:ext uri="{FF2B5EF4-FFF2-40B4-BE49-F238E27FC236}">
+                <a16:creationId xmlns:a16="http://schemas.microsoft.com/office/drawing/2014/main" id="{6835F56D-28DF-487E-9230-5F21E8D4D5AE}"/>
+              </a:ext>
+            </a:extLst>
+          </p:cNvPr>
+          <p:cNvPicPr>
+            <a:picLocks noChangeAspect="1" noChangeArrowheads="1"/>
+          </p:cNvPicPr>
+          <p:nvPr/>
+        </p:nvPicPr>
+        <p:blipFill>
+          <a:blip r:embed="rId4">
+            <a:extLst>
+              <a:ext uri="{28A0092B-C50C-407E-A947-70E740481C1C}">
+                <a14:useLocalDpi xmlns:a14="http://schemas.microsoft.com/office/drawing/2010/main" val="0"/>
+              </a:ext>
+            </a:extLst>
+          </a:blip>
+          <a:srcRect/>
+          <a:stretch>
+            <a:fillRect/>
+          </a:stretch>
+        </p:blipFill>
+        <p:spPr bwMode="auto">
+          <a:xfrm>
+            <a:off x="3600450" y="2452688"/>
+            <a:ext cx="5086350" cy="3390900"/>
+          </a:xfrm>
+          <a:prstGeom prst="rect">
+            <a:avLst/>
+          </a:prstGeom>
+          <a:noFill/>
+          <a:ln>
+            <a:noFill/>
+          </a:ln>
+          <a:extLst>
+            <a:ext uri="{909E8E84-426E-40DD-AFC4-6F175D3DCCD1}">
+              <a14:hiddenFill xmlns:a14="http://schemas.microsoft.com/office/drawing/2010/main">
+                <a:solidFill>
+                  <a:srgbClr val="FFFFFF"/>
+                </a:solidFill>
+              </a14:hiddenFill>
+            </a:ext>
+            <a:ext uri="{91240B29-F687-4F45-9708-019B960494DF}">
+              <a14:hiddenLine xmlns:a14="http://schemas.microsoft.com/office/drawing/2010/main" w="9525">
+                <a:solidFill>
+                  <a:srgbClr val="000000"/>
+                </a:solidFill>
+                <a:miter lim="800000"/>
+                <a:headEnd/>
+                <a:tailEnd/>
+              </a14:hiddenLine>
+            </a:ext>
+          </a:extLst>
+        </p:spPr>
+      </p:pic>
+      <p:pic>
+        <p:nvPicPr>
+          <p:cNvPr id="34827" name="图片 34826" descr="u=2190426610,3487566484&amp;fm=26&amp;gp=0">
+            <a:extLst>
+              <a:ext uri="{FF2B5EF4-FFF2-40B4-BE49-F238E27FC236}">
+                <a16:creationId xmlns:a16="http://schemas.microsoft.com/office/drawing/2014/main" id="{F372BB9D-AA36-43E4-B02B-388D14D15F5A}"/>
+              </a:ext>
+            </a:extLst>
+          </p:cNvPr>
+          <p:cNvPicPr>
+            <a:picLocks noChangeAspect="1" noChangeArrowheads="1"/>
+          </p:cNvPicPr>
+          <p:nvPr/>
+        </p:nvPicPr>
+        <p:blipFill>
+          <a:blip r:embed="rId5">
+            <a:extLst>
+              <a:ext uri="{28A0092B-C50C-407E-A947-70E740481C1C}">
+                <a14:useLocalDpi xmlns:a14="http://schemas.microsoft.com/office/drawing/2010/main" val="0"/>
+              </a:ext>
+            </a:extLst>
+          </a:blip>
+          <a:srcRect/>
+          <a:stretch>
+            <a:fillRect/>
+          </a:stretch>
+        </p:blipFill>
+        <p:spPr bwMode="auto">
+          <a:xfrm>
+            <a:off x="3836988" y="1147763"/>
+            <a:ext cx="4762500" cy="4676775"/>
+          </a:xfrm>
+          <a:prstGeom prst="rect">
+            <a:avLst/>
+          </a:prstGeom>
+          <a:noFill/>
+          <a:ln>
+            <a:noFill/>
+          </a:ln>
+          <a:extLst>
+            <a:ext uri="{909E8E84-426E-40DD-AFC4-6F175D3DCCD1}">
+              <a14:hiddenFill xmlns:a14="http://schemas.microsoft.com/office/drawing/2010/main">
+                <a:solidFill>
+                  <a:srgbClr val="FFFFFF"/>
+                </a:solidFill>
+              </a14:hiddenFill>
+            </a:ext>
+            <a:ext uri="{91240B29-F687-4F45-9708-019B960494DF}">
+              <a14:hiddenLine xmlns:a14="http://schemas.microsoft.com/office/drawing/2010/main" w="9525">
+                <a:solidFill>
+                  <a:srgbClr val="000000"/>
+                </a:solidFill>
+                <a:miter lim="800000"/>
+                <a:headEnd/>
+                <a:tailEnd/>
+              </a14:hiddenLine>
+            </a:ext>
+          </a:extLst>
+        </p:spPr>
+      </p:pic>
+      <p:pic>
+        <p:nvPicPr>
+          <p:cNvPr id="34829" name="图片 34828" descr="timg?image&amp;quality=80&amp;size=b9999_10000&amp;sec=1598987873030&amp;di=15b185b6e4ae604656a412615d8a561a&amp;imgtype=0&amp;src=http%3A%2F%2F5b0988e595225">
+            <a:extLst>
+              <a:ext uri="{FF2B5EF4-FFF2-40B4-BE49-F238E27FC236}">
+                <a16:creationId xmlns:a16="http://schemas.microsoft.com/office/drawing/2014/main" id="{C8041161-E739-4CDE-9D9F-618E348E32AA}"/>
+              </a:ext>
+            </a:extLst>
+          </p:cNvPr>
+          <p:cNvPicPr>
+            <a:picLocks noChangeAspect="1" noChangeArrowheads="1"/>
+          </p:cNvPicPr>
+          <p:nvPr/>
+        </p:nvPicPr>
+        <p:blipFill>
+          <a:blip r:embed="rId6">
+            <a:extLst>
+              <a:ext uri="{28A0092B-C50C-407E-A947-70E740481C1C}">
+                <a14:useLocalDpi xmlns:a14="http://schemas.microsoft.com/office/drawing/2010/main" val="0"/>
+              </a:ext>
+            </a:extLst>
+          </a:blip>
+          <a:srcRect/>
+          <a:stretch>
+            <a:fillRect/>
+          </a:stretch>
+        </p:blipFill>
+        <p:spPr bwMode="auto">
+          <a:xfrm>
+            <a:off x="2916238" y="2082800"/>
+            <a:ext cx="5465762" cy="3641725"/>
+          </a:xfrm>
+          <a:prstGeom prst="rect">
+            <a:avLst/>
+          </a:prstGeom>
+          <a:noFill/>
+          <a:ln>
+            <a:noFill/>
+          </a:ln>
+          <a:extLst>
+            <a:ext uri="{909E8E84-426E-40DD-AFC4-6F175D3DCCD1}">
+              <a14:hiddenFill xmlns:a14="http://schemas.microsoft.com/office/drawing/2010/main">
+                <a:solidFill>
+                  <a:srgbClr val="FFFFFF"/>
+                </a:solidFill>
+              </a14:hiddenFill>
+            </a:ext>
+            <a:ext uri="{91240B29-F687-4F45-9708-019B960494DF}">
+              <a14:hiddenLine xmlns:a14="http://schemas.microsoft.com/office/drawing/2010/main" w="9525">
+                <a:solidFill>
+                  <a:srgbClr val="000000"/>
+                </a:solidFill>
+                <a:miter lim="800000"/>
+                <a:headEnd/>
+                <a:tailEnd/>
+              </a14:hiddenLine>
+            </a:ext>
+          </a:extLst>
+        </p:spPr>
+      </p:pic>
+    </p:spTree>
+  </p:cSld>
+  <p:clrMapOvr>
+    <a:masterClrMapping/>
+  </p:clrMapOvr>
+  <p:transition spd="slow"/>
+  <p:timing>
+    <p:tnLst>
+      <p:par>
+        <p:cTn id="1" dur="indefinite" restart="never" nodeType="tmRoot">
+          <p:childTnLst>
+            <p:seq concurrent="1" nextAc="seek">
+              <p:cTn id="2" dur="indefinite" nodeType="mainSeq">
+                <p:childTnLst>
+                  <p:par>
+                    <p:cTn id="3" fill="hold" nodeType="clickPar">
+                      <p:stCondLst>
+                        <p:cond delay="indefinite"/>
+                      </p:stCondLst>
+                      <p:childTnLst>
+                        <p:par>
+                          <p:cTn id="4" fill="hold" nodeType="withGroup">
+                            <p:stCondLst>
+                              <p:cond delay="0"/>
+                            </p:stCondLst>
+                            <p:childTnLst>
+                              <p:par>
+                                <p:cTn id="5" presetID="2" presetClass="entr" presetSubtype="4" fill="hold" nodeType="clickEffect">
+                                  <p:stCondLst>
+                                    <p:cond delay="0"/>
+                                  </p:stCondLst>
+                                  <p:childTnLst>
+                                    <p:set>
+                                      <p:cBhvr>
+                                        <p:cTn id="6" dur="1" fill="hold">
+                                          <p:stCondLst>
+                                            <p:cond delay="0"/>
+                                          </p:stCondLst>
+                                        </p:cTn>
+                                        <p:tgtEl>
+                                          <p:spTgt spid="34821"/>
+                                        </p:tgtEl>
+                                        <p:attrNameLst>
+                                          <p:attrName>style.visibility</p:attrName>
+                                        </p:attrNameLst>
+                                      </p:cBhvr>
+                                      <p:to>
+                                        <p:strVal val="visible"/>
+                                      </p:to>
+                                    </p:set>
+                                    <p:anim calcmode="lin" valueType="num">
+                                      <p:cBhvr additive="base">
+                                        <p:cTn id="7" dur="500" fill="hold"/>
+                                        <p:tgtEl>
+                                          <p:spTgt spid="34821"/>
+                                        </p:tgtEl>
+                                        <p:attrNameLst>
+                                          <p:attrName>ppt_x</p:attrName>
+                                        </p:attrNameLst>
+                                      </p:cBhvr>
+                                      <p:tavLst>
+                                        <p:tav tm="0">
+                                          <p:val>
+                                            <p:strVal val="#ppt_x"/>
+                                          </p:val>
+                                        </p:tav>
+                                        <p:tav tm="100000">
+                                          <p:val>
+                                            <p:strVal val="#ppt_x"/>
+                                          </p:val>
+                                        </p:tav>
+                                      </p:tavLst>
+                                    </p:anim>
+                                    <p:anim calcmode="lin" valueType="num">
+                                      <p:cBhvr additive="base">
+                                        <p:cTn id="8" dur="500" fill="hold"/>
+                                        <p:tgtEl>
+                                          <p:spTgt spid="34821"/>
+                                        </p:tgtEl>
+                                        <p:attrNameLst>
+                                          <p:attrName>ppt_y</p:attrName>
+                                        </p:attrNameLst>
+                                      </p:cBhvr>
+                                      <p:tavLst>
+                                        <p:tav tm="0">
+                                          <p:val>
+                                            <p:strVal val="1+#ppt_h/2"/>
+                                          </p:val>
+                                        </p:tav>
+                                        <p:tav tm="100000">
+                                          <p:val>
+                                            <p:strVal val="#ppt_y"/>
+                                          </p:val>
+                                        </p:tav>
+                                      </p:tavLst>
+                                    </p:anim>
+                                  </p:childTnLst>
+                                </p:cTn>
+                              </p:par>
+                            </p:childTnLst>
+                          </p:cTn>
+                        </p:par>
+                      </p:childTnLst>
+                    </p:cTn>
+                  </p:par>
+                  <p:par>
+                    <p:cTn id="9" fill="hold" nodeType="clickPar">
+                      <p:stCondLst>
+                        <p:cond delay="indefinite"/>
+                      </p:stCondLst>
+                      <p:childTnLst>
+                        <p:par>
+                          <p:cTn id="10" fill="hold" nodeType="withGroup">
+                            <p:stCondLst>
+                              <p:cond delay="0"/>
+                            </p:stCondLst>
+                            <p:childTnLst>
+                              <p:par>
+                                <p:cTn id="11" presetID="1" presetClass="exit" presetSubtype="0" fill="hold" nodeType="clickEffect">
+                                  <p:stCondLst>
+                                    <p:cond delay="0"/>
+                                  </p:stCondLst>
+                                  <p:childTnLst>
+                                    <p:set>
+                                      <p:cBhvr>
+                                        <p:cTn id="12" dur="1" fill="hold">
+                                          <p:stCondLst>
+                                            <p:cond delay="0"/>
+                                          </p:stCondLst>
+                                        </p:cTn>
+                                        <p:tgtEl>
+                                          <p:spTgt spid="34821"/>
+                                        </p:tgtEl>
+                                        <p:attrNameLst>
+                                          <p:attrName>style.visibility</p:attrName>
+                                        </p:attrNameLst>
+                                      </p:cBhvr>
+                                      <p:to>
+                                        <p:strVal val="hidden"/>
+                                      </p:to>
+                                    </p:set>
+                                  </p:childTnLst>
+                                </p:cTn>
+                              </p:par>
+                            </p:childTnLst>
+                          </p:cTn>
+                        </p:par>
+                      </p:childTnLst>
+                    </p:cTn>
+                  </p:par>
+                  <p:par>
+                    <p:cTn id="13" fill="hold" nodeType="clickPar">
+                      <p:stCondLst>
+                        <p:cond delay="indefinite"/>
+                      </p:stCondLst>
+                      <p:childTnLst>
+                        <p:par>
+                          <p:cTn id="14" fill="hold" nodeType="withGroup">
+                            <p:stCondLst>
+                              <p:cond delay="0"/>
+                            </p:stCondLst>
+                            <p:childTnLst>
+                              <p:par>
+                                <p:cTn id="15" presetID="2" presetClass="entr" presetSubtype="4" fill="hold" nodeType="clickEffect">
+                                  <p:stCondLst>
+                                    <p:cond delay="0"/>
+                                  </p:stCondLst>
+                                  <p:childTnLst>
+                                    <p:set>
+                                      <p:cBhvr>
+                                        <p:cTn id="16" dur="1" fill="hold">
+                                          <p:stCondLst>
+                                            <p:cond delay="0"/>
+                                          </p:stCondLst>
+                                        </p:cTn>
+                                        <p:tgtEl>
+                                          <p:spTgt spid="34823"/>
+                                        </p:tgtEl>
+                                        <p:attrNameLst>
+                                          <p:attrName>style.visibility</p:attrName>
+                                        </p:attrNameLst>
+                                      </p:cBhvr>
+                                      <p:to>
+                                        <p:strVal val="visible"/>
+                                      </p:to>
+                                    </p:set>
+                                    <p:anim calcmode="lin" valueType="num">
+                                      <p:cBhvr additive="base">
+                                        <p:cTn id="17" dur="500" fill="hold"/>
+                                        <p:tgtEl>
+                                          <p:spTgt spid="34823"/>
+                                        </p:tgtEl>
+                                        <p:attrNameLst>
+                                          <p:attrName>ppt_x</p:attrName>
+                                        </p:attrNameLst>
+                                      </p:cBhvr>
+                                      <p:tavLst>
+                                        <p:tav tm="0">
+                                          <p:val>
+                                            <p:strVal val="#ppt_x"/>
+                                          </p:val>
+                                        </p:tav>
+                                        <p:tav tm="100000">
+                                          <p:val>
+                                            <p:strVal val="#ppt_x"/>
+                                          </p:val>
+                                        </p:tav>
+                                      </p:tavLst>
+                                    </p:anim>
+                                    <p:anim calcmode="lin" valueType="num">
+                                      <p:cBhvr additive="base">
+                                        <p:cTn id="18" dur="500" fill="hold"/>
+                                        <p:tgtEl>
+                                          <p:spTgt spid="34823"/>
+                                        </p:tgtEl>
+                                        <p:attrNameLst>
+                                          <p:attrName>ppt_y</p:attrName>
+                                        </p:attrNameLst>
+                                      </p:cBhvr>
+                                      <p:tavLst>
+                                        <p:tav tm="0">
+                                          <p:val>
+                                            <p:strVal val="1+#ppt_h/2"/>
+                                          </p:val>
+                                        </p:tav>
+                                        <p:tav tm="100000">
+                                          <p:val>
+                                            <p:strVal val="#ppt_y"/>
+                                          </p:val>
+                                        </p:tav>
+                                      </p:tavLst>
+                                    </p:anim>
+                                  </p:childTnLst>
+                                </p:cTn>
+                              </p:par>
+                            </p:childTnLst>
+                          </p:cTn>
+                        </p:par>
+                      </p:childTnLst>
+                    </p:cTn>
+                  </p:par>
+                  <p:par>
+                    <p:cTn id="19" fill="hold" nodeType="clickPar">
+                      <p:stCondLst>
+                        <p:cond delay="indefinite"/>
+                      </p:stCondLst>
+                      <p:childTnLst>
+                        <p:par>
+                          <p:cTn id="20" fill="hold" nodeType="withGroup">
+                            <p:stCondLst>
+                              <p:cond delay="0"/>
+                            </p:stCondLst>
+                            <p:childTnLst>
+                              <p:par>
+                                <p:cTn id="21" presetID="1" presetClass="exit" presetSubtype="0" fill="hold" nodeType="clickEffect">
+                                  <p:stCondLst>
+                                    <p:cond delay="0"/>
+                                  </p:stCondLst>
+                                  <p:childTnLst>
+                                    <p:set>
+                                      <p:cBhvr>
+                                        <p:cTn id="22" dur="1" fill="hold">
+                                          <p:stCondLst>
+                                            <p:cond delay="0"/>
+                                          </p:stCondLst>
+                                        </p:cTn>
+                                        <p:tgtEl>
+                                          <p:spTgt spid="34823"/>
+                                        </p:tgtEl>
+                                        <p:attrNameLst>
+                                          <p:attrName>style.visibility</p:attrName>
+                                        </p:attrNameLst>
+                                      </p:cBhvr>
+                                      <p:to>
+                                        <p:strVal val="hidden"/>
+                                      </p:to>
+                                    </p:set>
+                                  </p:childTnLst>
+                                </p:cTn>
+                              </p:par>
+                            </p:childTnLst>
+                          </p:cTn>
+                        </p:par>
+                      </p:childTnLst>
+                    </p:cTn>
+                  </p:par>
+                  <p:par>
+                    <p:cTn id="23" fill="hold" nodeType="clickPar">
+                      <p:stCondLst>
+                        <p:cond delay="indefinite"/>
+                      </p:stCondLst>
+                      <p:childTnLst>
+                        <p:par>
+                          <p:cTn id="24" fill="hold" nodeType="withGroup">
+                            <p:stCondLst>
+                              <p:cond delay="0"/>
+                            </p:stCondLst>
+                            <p:childTnLst>
+                              <p:par>
+                                <p:cTn id="25" presetID="2" presetClass="entr" presetSubtype="4" fill="hold" nodeType="clickEffect">
+                                  <p:stCondLst>
+                                    <p:cond delay="0"/>
+                                  </p:stCondLst>
+                                  <p:childTnLst>
+                                    <p:set>
+                                      <p:cBhvr>
+                                        <p:cTn id="26" dur="1" fill="hold">
+                                          <p:stCondLst>
+                                            <p:cond delay="0"/>
+                                          </p:stCondLst>
+                                        </p:cTn>
+                                        <p:tgtEl>
+                                          <p:spTgt spid="34825"/>
+                                        </p:tgtEl>
+                                        <p:attrNameLst>
+                                          <p:attrName>style.visibility</p:attrName>
+                                        </p:attrNameLst>
+                                      </p:cBhvr>
+                                      <p:to>
+                                        <p:strVal val="visible"/>
+                                      </p:to>
+                                    </p:set>
+                                    <p:anim calcmode="lin" valueType="num">
+                                      <p:cBhvr additive="base">
+                                        <p:cTn id="27" dur="500" fill="hold"/>
+                                        <p:tgtEl>
+                                          <p:spTgt spid="34825"/>
+                                        </p:tgtEl>
+                                        <p:attrNameLst>
+                                          <p:attrName>ppt_x</p:attrName>
+                                        </p:attrNameLst>
+                                      </p:cBhvr>
+                                      <p:tavLst>
+                                        <p:tav tm="0">
+                                          <p:val>
+                                            <p:strVal val="#ppt_x"/>
+                                          </p:val>
+                                        </p:tav>
+                                        <p:tav tm="100000">
+                                          <p:val>
+                                            <p:strVal val="#ppt_x"/>
+                                          </p:val>
+                                        </p:tav>
+                                      </p:tavLst>
+                                    </p:anim>
+                                    <p:anim calcmode="lin" valueType="num">
+                                      <p:cBhvr additive="base">
+                                        <p:cTn id="28" dur="500" fill="hold"/>
+                                        <p:tgtEl>
+                                          <p:spTgt spid="34825"/>
+                                        </p:tgtEl>
+                                        <p:attrNameLst>
+                                          <p:attrName>ppt_y</p:attrName>
+                                        </p:attrNameLst>
+                                      </p:cBhvr>
+                                      <p:tavLst>
+                                        <p:tav tm="0">
+                                          <p:val>
+                                            <p:strVal val="1+#ppt_h/2"/>
+                                          </p:val>
+                                        </p:tav>
+                                        <p:tav tm="100000">
+                                          <p:val>
+                                            <p:strVal val="#ppt_y"/>
+                                          </p:val>
+                                        </p:tav>
+                                      </p:tavLst>
+                                    </p:anim>
+                                  </p:childTnLst>
+                                </p:cTn>
+                              </p:par>
+                            </p:childTnLst>
+                          </p:cTn>
+                        </p:par>
+                      </p:childTnLst>
+                    </p:cTn>
+                  </p:par>
+                  <p:par>
+                    <p:cTn id="29" fill="hold" nodeType="clickPar">
+                      <p:stCondLst>
+                        <p:cond delay="indefinite"/>
+                      </p:stCondLst>
+                      <p:childTnLst>
+                        <p:par>
+                          <p:cTn id="30" fill="hold" nodeType="withGroup">
+                            <p:stCondLst>
+                              <p:cond delay="0"/>
+                            </p:stCondLst>
+                            <p:childTnLst>
+                              <p:par>
+                                <p:cTn id="31" presetID="1" presetClass="exit" presetSubtype="0" fill="hold" nodeType="clickEffect">
+                                  <p:stCondLst>
+                                    <p:cond delay="0"/>
+                                  </p:stCondLst>
+                                  <p:childTnLst>
+                                    <p:set>
+                                      <p:cBhvr>
+                                        <p:cTn id="32" dur="1" fill="hold">
+                                          <p:stCondLst>
+                                            <p:cond delay="0"/>
+                                          </p:stCondLst>
+                                        </p:cTn>
+                                        <p:tgtEl>
+                                          <p:spTgt spid="34825"/>
+                                        </p:tgtEl>
+                                        <p:attrNameLst>
+                                          <p:attrName>style.visibility</p:attrName>
+                                        </p:attrNameLst>
+                                      </p:cBhvr>
+                                      <p:to>
+                                        <p:strVal val="hidden"/>
+                                      </p:to>
+                                    </p:set>
+                                  </p:childTnLst>
+                                </p:cTn>
+                              </p:par>
+                            </p:childTnLst>
+                          </p:cTn>
+                        </p:par>
+                      </p:childTnLst>
+                    </p:cTn>
+                  </p:par>
+                  <p:par>
+                    <p:cTn id="33" fill="hold" nodeType="clickPar">
+                      <p:stCondLst>
+                        <p:cond delay="indefinite"/>
+                      </p:stCondLst>
+                      <p:childTnLst>
+                        <p:par>
+                          <p:cTn id="34" fill="hold" nodeType="withGroup">
+                            <p:stCondLst>
+                              <p:cond delay="0"/>
+                            </p:stCondLst>
+                            <p:childTnLst>
+                              <p:par>
+                                <p:cTn id="35" presetID="2" presetClass="entr" presetSubtype="4" fill="hold" nodeType="clickEffect">
+                                  <p:stCondLst>
+                                    <p:cond delay="0"/>
+                                  </p:stCondLst>
+                                  <p:childTnLst>
+                                    <p:set>
+                                      <p:cBhvr>
+                                        <p:cTn id="36" dur="1" fill="hold">
+                                          <p:stCondLst>
+                                            <p:cond delay="0"/>
+                                          </p:stCondLst>
+                                        </p:cTn>
+                                        <p:tgtEl>
+                                          <p:spTgt spid="34827"/>
+                                        </p:tgtEl>
+                                        <p:attrNameLst>
+                                          <p:attrName>style.visibility</p:attrName>
+                                        </p:attrNameLst>
+                                      </p:cBhvr>
+                                      <p:to>
+                                        <p:strVal val="visible"/>
+                                      </p:to>
+                                    </p:set>
+                                    <p:anim calcmode="lin" valueType="num">
+                                      <p:cBhvr additive="base">
+                                        <p:cTn id="37" dur="500" fill="hold"/>
+                                        <p:tgtEl>
+                                          <p:spTgt spid="34827"/>
+                                        </p:tgtEl>
+                                        <p:attrNameLst>
+                                          <p:attrName>ppt_x</p:attrName>
+                                        </p:attrNameLst>
+                                      </p:cBhvr>
+                                      <p:tavLst>
+                                        <p:tav tm="0">
+                                          <p:val>
+                                            <p:strVal val="#ppt_x"/>
+                                          </p:val>
+                                        </p:tav>
+                                        <p:tav tm="100000">
+                                          <p:val>
+                                            <p:strVal val="#ppt_x"/>
+                                          </p:val>
+                                        </p:tav>
+                                      </p:tavLst>
+                                    </p:anim>
+                                    <p:anim calcmode="lin" valueType="num">
+                                      <p:cBhvr additive="base">
+                                        <p:cTn id="38" dur="500" fill="hold"/>
+                                        <p:tgtEl>
+                                          <p:spTgt spid="34827"/>
+                                        </p:tgtEl>
+                                        <p:attrNameLst>
+                                          <p:attrName>ppt_y</p:attrName>
+                                        </p:attrNameLst>
+                                      </p:cBhvr>
+                                      <p:tavLst>
+                                        <p:tav tm="0">
+                                          <p:val>
+                                            <p:strVal val="1+#ppt_h/2"/>
+                                          </p:val>
+                                        </p:tav>
+                                        <p:tav tm="100000">
+                                          <p:val>
+                                            <p:strVal val="#ppt_y"/>
+                                          </p:val>
+                                        </p:tav>
+                                      </p:tavLst>
+                                    </p:anim>
+                                  </p:childTnLst>
+                                </p:cTn>
+                              </p:par>
+                            </p:childTnLst>
+                          </p:cTn>
+                        </p:par>
+                      </p:childTnLst>
+                    </p:cTn>
+                  </p:par>
+                  <p:par>
+                    <p:cTn id="39" fill="hold" nodeType="clickPar">
+                      <p:stCondLst>
+                        <p:cond delay="indefinite"/>
+                      </p:stCondLst>
+                      <p:childTnLst>
+                        <p:par>
+                          <p:cTn id="40" fill="hold" nodeType="withGroup">
+                            <p:stCondLst>
+                              <p:cond delay="0"/>
+                            </p:stCondLst>
+                            <p:childTnLst>
+                              <p:par>
+                                <p:cTn id="41" presetID="1" presetClass="exit" presetSubtype="0" fill="hold" nodeType="clickEffect">
+                                  <p:stCondLst>
+                                    <p:cond delay="0"/>
+                                  </p:stCondLst>
+                                  <p:childTnLst>
+                                    <p:set>
+                                      <p:cBhvr>
+                                        <p:cTn id="42" dur="1" fill="hold">
+                                          <p:stCondLst>
+                                            <p:cond delay="0"/>
+                                          </p:stCondLst>
+                                        </p:cTn>
+                                        <p:tgtEl>
+                                          <p:spTgt spid="34827"/>
+                                        </p:tgtEl>
+                                        <p:attrNameLst>
+                                          <p:attrName>style.visibility</p:attrName>
+                                        </p:attrNameLst>
+                                      </p:cBhvr>
+                                      <p:to>
+                                        <p:strVal val="hidden"/>
+                                      </p:to>
+                                    </p:set>
+                                  </p:childTnLst>
+                                </p:cTn>
+                              </p:par>
+                            </p:childTnLst>
+                          </p:cTn>
+                        </p:par>
+                      </p:childTnLst>
+                    </p:cTn>
+                  </p:par>
+                  <p:par>
+                    <p:cTn id="43" fill="hold" nodeType="clickPar">
+                      <p:stCondLst>
+                        <p:cond delay="indefinite"/>
+                      </p:stCondLst>
+                      <p:childTnLst>
+                        <p:par>
+                          <p:cTn id="44" fill="hold" nodeType="withGroup">
+                            <p:stCondLst>
+                              <p:cond delay="0"/>
+                            </p:stCondLst>
+                            <p:childTnLst>
+                              <p:par>
+                                <p:cTn id="45" presetID="2" presetClass="entr" presetSubtype="4" fill="hold" nodeType="clickEffect">
+                                  <p:stCondLst>
+                                    <p:cond delay="0"/>
+                                  </p:stCondLst>
+                                  <p:childTnLst>
+                                    <p:set>
+                                      <p:cBhvr>
+                                        <p:cTn id="46" dur="1" fill="hold">
+                                          <p:stCondLst>
+                                            <p:cond delay="0"/>
+                                          </p:stCondLst>
+                                        </p:cTn>
+                                        <p:tgtEl>
+                                          <p:spTgt spid="34829"/>
+                                        </p:tgtEl>
+                                        <p:attrNameLst>
+                                          <p:attrName>style.visibility</p:attrName>
+                                        </p:attrNameLst>
+                                      </p:cBhvr>
+                                      <p:to>
+                                        <p:strVal val="visible"/>
+                                      </p:to>
+                                    </p:set>
+                                    <p:anim calcmode="lin" valueType="num">
+                                      <p:cBhvr additive="base">
+                                        <p:cTn id="47" dur="500" fill="hold"/>
+                                        <p:tgtEl>
+                                          <p:spTgt spid="34829"/>
+                                        </p:tgtEl>
+                                        <p:attrNameLst>
+                                          <p:attrName>ppt_x</p:attrName>
+                                        </p:attrNameLst>
+                                      </p:cBhvr>
+                                      <p:tavLst>
+                                        <p:tav tm="0">
+                                          <p:val>
+                                            <p:strVal val="#ppt_x"/>
+                                          </p:val>
+                                        </p:tav>
+                                        <p:tav tm="100000">
+                                          <p:val>
+                                            <p:strVal val="#ppt_x"/>
+                                          </p:val>
+                                        </p:tav>
+                                      </p:tavLst>
+                                    </p:anim>
+                                    <p:anim calcmode="lin" valueType="num">
+                                      <p:cBhvr additive="base">
+                                        <p:cTn id="48" dur="500" fill="hold"/>
+                                        <p:tgtEl>
+                                          <p:spTgt spid="34829"/>
+                                        </p:tgtEl>
+                                        <p:attrNameLst>
+                                          <p:attrName>ppt_y</p:attrName>
+                                        </p:attrNameLst>
+                                      </p:cBhvr>
+                                      <p:tavLst>
+                                        <p:tav tm="0">
+                                          <p:val>
+                                            <p:strVal val="1+#ppt_h/2"/>
+                                          </p:val>
+                                        </p:tav>
+                                        <p:tav tm="100000">
+                                          <p:val>
+                                            <p:strVal val="#ppt_y"/>
+                                          </p:val>
+                                        </p:tav>
+                                      </p:tavLst>
+                                    </p:anim>
+                                  </p:childTnLst>
+                                </p:cTn>
+                              </p:par>
+                            </p:childTnLst>
+                          </p:cTn>
+                        </p:par>
+                      </p:childTnLst>
+                    </p:cTn>
+                  </p:par>
+                  <p:par>
+                    <p:cTn id="49" fill="hold" nodeType="clickPar">
+                      <p:stCondLst>
+                        <p:cond delay="indefinite"/>
+                      </p:stCondLst>
+                      <p:childTnLst>
+                        <p:par>
+                          <p:cTn id="50" fill="hold" nodeType="withGroup">
+                            <p:stCondLst>
+                              <p:cond delay="0"/>
+                            </p:stCondLst>
+                            <p:childTnLst>
+                              <p:par>
+                                <p:cTn id="51" presetID="1" presetClass="exit" presetSubtype="0" fill="hold" nodeType="clickEffect">
+                                  <p:stCondLst>
+                                    <p:cond delay="0"/>
+                                  </p:stCondLst>
+                                  <p:childTnLst>
+                                    <p:set>
+                                      <p:cBhvr>
+                                        <p:cTn id="52" dur="1" fill="hold">
+                                          <p:stCondLst>
+                                            <p:cond delay="0"/>
+                                          </p:stCondLst>
+                                        </p:cTn>
+                                        <p:tgtEl>
+                                          <p:spTgt spid="34829"/>
+                                        </p:tgtEl>
+                                        <p:attrNameLst>
+                                          <p:attrName>style.visibility</p:attrName>
+                                        </p:attrNameLst>
+                                      </p:cBhvr>
+                                      <p:to>
+                                        <p:strVal val="hidden"/>
+                                      </p:to>
+                                    </p:set>
+                                  </p:childTnLst>
+                                </p:cTn>
+                              </p:par>
+                            </p:childTnLst>
+                          </p:cTn>
+                        </p:par>
+                      </p:childTnLst>
+                    </p:cTn>
+                  </p:par>
+                </p:childTnLst>
+              </p:cTn>
+              <p:prevCondLst>
+                <p:cond evt="onPrev" delay="0">
+                  <p:tgtEl>
+                    <p:sldTgt/>
+                  </p:tgtEl>
+                </p:cond>
+              </p:prevCondLst>
+              <p:nextCondLst>
+                <p:cond evt="onNext" delay="0">
+                  <p:tgtEl>
+                    <p:sldTgt/>
+                  </p:tgtEl>
+                </p:cond>
+              </p:nextCondLst>
+            </p:seq>
+          </p:childTnLst>
+        </p:cTn>
+      </p:par>
+    </p:tnLst>
+    <p:bldLst>
+      <p:bldP spid="12289" grpId="0"/>
+    </p:bldLst>
+  </p:timing>
+</p:sld>
+</file>
+
+<file path=ppt/slides/slide9.xml><?xml version="1.0" encoding="utf-8"?>
 <p:sld xmlns:a="http://schemas.openxmlformats.org/drawingml/2006/main" xmlns:r="http://schemas.openxmlformats.org/officeDocument/2006/relationships" xmlns:p="http://schemas.openxmlformats.org/presentationml/2006/main">
   <p:cSld>
     <p:spTree>
@@ -27985,341 +30179,6 @@
 </p:sld>
 </file>
 
-<file path=ppt/slides/slide9.xml><?xml version="1.0" encoding="utf-8"?>
-<p:sld xmlns:a="http://schemas.openxmlformats.org/drawingml/2006/main" xmlns:r="http://schemas.openxmlformats.org/officeDocument/2006/relationships" xmlns:p="http://schemas.openxmlformats.org/presentationml/2006/main">
-  <p:cSld>
-    <p:spTree>
-      <p:nvGrpSpPr>
-        <p:cNvPr id="1" name=""/>
-        <p:cNvGrpSpPr/>
-        <p:nvPr/>
-      </p:nvGrpSpPr>
-      <p:grpSpPr>
-        <a:xfrm>
-          <a:off x="0" y="0"/>
-          <a:ext cx="0" cy="0"/>
-          <a:chOff x="0" y="0"/>
-          <a:chExt cx="0" cy="0"/>
-        </a:xfrm>
-      </p:grpSpPr>
-      <p:pic>
-        <p:nvPicPr>
-          <p:cNvPr id="13314" name="图片 1">
-            <a:extLst>
-              <a:ext uri="{FF2B5EF4-FFF2-40B4-BE49-F238E27FC236}">
-                <a16:creationId xmlns:a16="http://schemas.microsoft.com/office/drawing/2014/main" id="{743E4CB5-8BA0-4AE4-9D7A-1AA288FF2486}"/>
-              </a:ext>
-            </a:extLst>
-          </p:cNvPr>
-          <p:cNvPicPr>
-            <a:picLocks noChangeAspect="1"/>
-          </p:cNvPicPr>
-          <p:nvPr>
-            <p:custDataLst>
-              <p:tags r:id="rId1"/>
-            </p:custDataLst>
-          </p:nvPr>
-        </p:nvPicPr>
-        <p:blipFill>
-          <a:blip r:embed="rId3">
-            <a:extLst>
-              <a:ext uri="{28A0092B-C50C-407E-A947-70E740481C1C}">
-                <a14:useLocalDpi xmlns:a14="http://schemas.microsoft.com/office/drawing/2010/main" val="0"/>
-              </a:ext>
-            </a:extLst>
-          </a:blip>
-          <a:srcRect/>
-          <a:stretch>
-            <a:fillRect/>
-          </a:stretch>
-        </p:blipFill>
-        <p:spPr bwMode="auto">
-          <a:xfrm>
-            <a:off x="836613" y="765175"/>
-            <a:ext cx="7469187" cy="5019675"/>
-          </a:xfrm>
-          <a:prstGeom prst="rect">
-            <a:avLst/>
-          </a:prstGeom>
-          <a:noFill/>
-          <a:ln>
-            <a:noFill/>
-          </a:ln>
-          <a:extLst>
-            <a:ext uri="{909E8E84-426E-40DD-AFC4-6F175D3DCCD1}">
-              <a14:hiddenFill xmlns:a14="http://schemas.microsoft.com/office/drawing/2010/main">
-                <a:solidFill>
-                  <a:srgbClr val="FFFFFF"/>
-                </a:solidFill>
-              </a14:hiddenFill>
-            </a:ext>
-            <a:ext uri="{91240B29-F687-4F45-9708-019B960494DF}">
-              <a14:hiddenLine xmlns:a14="http://schemas.microsoft.com/office/drawing/2010/main" w="9525">
-                <a:solidFill>
-                  <a:srgbClr val="000000"/>
-                </a:solidFill>
-                <a:miter lim="800000"/>
-                <a:headEnd/>
-                <a:tailEnd/>
-              </a14:hiddenLine>
-            </a:ext>
-          </a:extLst>
-        </p:spPr>
-      </p:pic>
-      <p:sp>
-        <p:nvSpPr>
-          <p:cNvPr id="13315" name="文本框 2">
-            <a:extLst>
-              <a:ext uri="{FF2B5EF4-FFF2-40B4-BE49-F238E27FC236}">
-                <a16:creationId xmlns:a16="http://schemas.microsoft.com/office/drawing/2014/main" id="{C9FCE285-AE4E-4CD2-B30C-07A12CBFBB6C}"/>
-              </a:ext>
-            </a:extLst>
-          </p:cNvPr>
-          <p:cNvSpPr txBox="1">
-            <a:spLocks noChangeArrowheads="1"/>
-          </p:cNvSpPr>
-          <p:nvPr/>
-        </p:nvSpPr>
-        <p:spPr bwMode="auto">
-          <a:xfrm>
-            <a:off x="1747838" y="6313488"/>
-            <a:ext cx="5646737" cy="460375"/>
-          </a:xfrm>
-          <a:prstGeom prst="rect">
-            <a:avLst/>
-          </a:prstGeom>
-          <a:noFill/>
-          <a:ln>
-            <a:noFill/>
-          </a:ln>
-          <a:extLst>
-            <a:ext uri="{909E8E84-426E-40DD-AFC4-6F175D3DCCD1}">
-              <a14:hiddenFill xmlns:a14="http://schemas.microsoft.com/office/drawing/2010/main">
-                <a:solidFill>
-                  <a:srgbClr val="FFFFFF"/>
-                </a:solidFill>
-              </a14:hiddenFill>
-            </a:ext>
-            <a:ext uri="{91240B29-F687-4F45-9708-019B960494DF}">
-              <a14:hiddenLine xmlns:a14="http://schemas.microsoft.com/office/drawing/2010/main" w="9525">
-                <a:solidFill>
-                  <a:srgbClr val="000000"/>
-                </a:solidFill>
-                <a:miter lim="800000"/>
-                <a:headEnd/>
-                <a:tailEnd/>
-              </a14:hiddenLine>
-            </a:ext>
-          </a:extLst>
-        </p:spPr>
-        <p:txBody>
-          <a:bodyPr wrap="none">
-            <a:spAutoFit/>
-          </a:bodyPr>
-          <a:lstStyle>
-            <a:lvl1pPr>
-              <a:lnSpc>
-                <a:spcPct val="90000"/>
-              </a:lnSpc>
-              <a:spcBef>
-                <a:spcPts val="1000"/>
-              </a:spcBef>
-              <a:buFont typeface="Arial" panose="020B0604020202020204" pitchFamily="34" charset="0"/>
-              <a:buChar char="•"/>
-              <a:defRPr sz="2800">
-                <a:solidFill>
-                  <a:schemeClr val="tx1"/>
-                </a:solidFill>
-                <a:latin typeface="Calibri" panose="020F0502020204030204" pitchFamily="34" charset="0"/>
-                <a:ea typeface="宋体" panose="02010600030101010101" pitchFamily="2" charset="-122"/>
-              </a:defRPr>
-            </a:lvl1pPr>
-            <a:lvl2pPr marL="742950" indent="-285750">
-              <a:lnSpc>
-                <a:spcPct val="90000"/>
-              </a:lnSpc>
-              <a:spcBef>
-                <a:spcPts val="500"/>
-              </a:spcBef>
-              <a:buFont typeface="Arial" panose="020B0604020202020204" pitchFamily="34" charset="0"/>
-              <a:buChar char="•"/>
-              <a:defRPr sz="2400">
-                <a:solidFill>
-                  <a:schemeClr val="tx1"/>
-                </a:solidFill>
-                <a:latin typeface="Calibri" panose="020F0502020204030204" pitchFamily="34" charset="0"/>
-                <a:ea typeface="宋体" panose="02010600030101010101" pitchFamily="2" charset="-122"/>
-              </a:defRPr>
-            </a:lvl2pPr>
-            <a:lvl3pPr marL="1143000" indent="-228600">
-              <a:lnSpc>
-                <a:spcPct val="90000"/>
-              </a:lnSpc>
-              <a:spcBef>
-                <a:spcPts val="500"/>
-              </a:spcBef>
-              <a:buFont typeface="Arial" panose="020B0604020202020204" pitchFamily="34" charset="0"/>
-              <a:buChar char="•"/>
-              <a:defRPr sz="2000">
-                <a:solidFill>
-                  <a:schemeClr val="tx1"/>
-                </a:solidFill>
-                <a:latin typeface="Calibri" panose="020F0502020204030204" pitchFamily="34" charset="0"/>
-                <a:ea typeface="宋体" panose="02010600030101010101" pitchFamily="2" charset="-122"/>
-              </a:defRPr>
-            </a:lvl3pPr>
-            <a:lvl4pPr marL="1600200" indent="-228600">
-              <a:lnSpc>
-                <a:spcPct val="90000"/>
-              </a:lnSpc>
-              <a:spcBef>
-                <a:spcPts val="500"/>
-              </a:spcBef>
-              <a:buFont typeface="Arial" panose="020B0604020202020204" pitchFamily="34" charset="0"/>
-              <a:buChar char="•"/>
-              <a:defRPr>
-                <a:solidFill>
-                  <a:schemeClr val="tx1"/>
-                </a:solidFill>
-                <a:latin typeface="Calibri" panose="020F0502020204030204" pitchFamily="34" charset="0"/>
-                <a:ea typeface="宋体" panose="02010600030101010101" pitchFamily="2" charset="-122"/>
-              </a:defRPr>
-            </a:lvl4pPr>
-            <a:lvl5pPr marL="2057400" indent="-228600">
-              <a:lnSpc>
-                <a:spcPct val="90000"/>
-              </a:lnSpc>
-              <a:spcBef>
-                <a:spcPts val="500"/>
-              </a:spcBef>
-              <a:buFont typeface="Arial" panose="020B0604020202020204" pitchFamily="34" charset="0"/>
-              <a:buChar char="•"/>
-              <a:defRPr>
-                <a:solidFill>
-                  <a:schemeClr val="tx1"/>
-                </a:solidFill>
-                <a:latin typeface="Calibri" panose="020F0502020204030204" pitchFamily="34" charset="0"/>
-                <a:ea typeface="宋体" panose="02010600030101010101" pitchFamily="2" charset="-122"/>
-              </a:defRPr>
-            </a:lvl5pPr>
-            <a:lvl6pPr marL="2514600" indent="-228600" eaLnBrk="0" fontAlgn="base" hangingPunct="0">
-              <a:lnSpc>
-                <a:spcPct val="90000"/>
-              </a:lnSpc>
-              <a:spcBef>
-                <a:spcPts val="500"/>
-              </a:spcBef>
-              <a:spcAft>
-                <a:spcPct val="0"/>
-              </a:spcAft>
-              <a:buFont typeface="Arial" panose="020B0604020202020204" pitchFamily="34" charset="0"/>
-              <a:buChar char="•"/>
-              <a:defRPr>
-                <a:solidFill>
-                  <a:schemeClr val="tx1"/>
-                </a:solidFill>
-                <a:latin typeface="Calibri" panose="020F0502020204030204" pitchFamily="34" charset="0"/>
-                <a:ea typeface="宋体" panose="02010600030101010101" pitchFamily="2" charset="-122"/>
-              </a:defRPr>
-            </a:lvl6pPr>
-            <a:lvl7pPr marL="2971800" indent="-228600" eaLnBrk="0" fontAlgn="base" hangingPunct="0">
-              <a:lnSpc>
-                <a:spcPct val="90000"/>
-              </a:lnSpc>
-              <a:spcBef>
-                <a:spcPts val="500"/>
-              </a:spcBef>
-              <a:spcAft>
-                <a:spcPct val="0"/>
-              </a:spcAft>
-              <a:buFont typeface="Arial" panose="020B0604020202020204" pitchFamily="34" charset="0"/>
-              <a:buChar char="•"/>
-              <a:defRPr>
-                <a:solidFill>
-                  <a:schemeClr val="tx1"/>
-                </a:solidFill>
-                <a:latin typeface="Calibri" panose="020F0502020204030204" pitchFamily="34" charset="0"/>
-                <a:ea typeface="宋体" panose="02010600030101010101" pitchFamily="2" charset="-122"/>
-              </a:defRPr>
-            </a:lvl7pPr>
-            <a:lvl8pPr marL="3429000" indent="-228600" eaLnBrk="0" fontAlgn="base" hangingPunct="0">
-              <a:lnSpc>
-                <a:spcPct val="90000"/>
-              </a:lnSpc>
-              <a:spcBef>
-                <a:spcPts val="500"/>
-              </a:spcBef>
-              <a:spcAft>
-                <a:spcPct val="0"/>
-              </a:spcAft>
-              <a:buFont typeface="Arial" panose="020B0604020202020204" pitchFamily="34" charset="0"/>
-              <a:buChar char="•"/>
-              <a:defRPr>
-                <a:solidFill>
-                  <a:schemeClr val="tx1"/>
-                </a:solidFill>
-                <a:latin typeface="Calibri" panose="020F0502020204030204" pitchFamily="34" charset="0"/>
-                <a:ea typeface="宋体" panose="02010600030101010101" pitchFamily="2" charset="-122"/>
-              </a:defRPr>
-            </a:lvl8pPr>
-            <a:lvl9pPr marL="3886200" indent="-228600" eaLnBrk="0" fontAlgn="base" hangingPunct="0">
-              <a:lnSpc>
-                <a:spcPct val="90000"/>
-              </a:lnSpc>
-              <a:spcBef>
-                <a:spcPts val="500"/>
-              </a:spcBef>
-              <a:spcAft>
-                <a:spcPct val="0"/>
-              </a:spcAft>
-              <a:buFont typeface="Arial" panose="020B0604020202020204" pitchFamily="34" charset="0"/>
-              <a:buChar char="•"/>
-              <a:defRPr>
-                <a:solidFill>
-                  <a:schemeClr val="tx1"/>
-                </a:solidFill>
-                <a:latin typeface="Calibri" panose="020F0502020204030204" pitchFamily="34" charset="0"/>
-                <a:ea typeface="宋体" panose="02010600030101010101" pitchFamily="2" charset="-122"/>
-              </a:defRPr>
-            </a:lvl9pPr>
-          </a:lstStyle>
-          <a:p>
-            <a:pPr eaLnBrk="1" hangingPunct="1">
-              <a:lnSpc>
-                <a:spcPct val="100000"/>
-              </a:lnSpc>
-              <a:spcBef>
-                <a:spcPct val="0"/>
-              </a:spcBef>
-              <a:buFontTx/>
-              <a:buNone/>
-            </a:pPr>
-            <a:r>
-              <a:rPr lang="zh-CN" altLang="en-US" sz="2400">
-                <a:latin typeface="微软雅黑" panose="020B0503020204020204" pitchFamily="34" charset="-122"/>
-                <a:ea typeface="微软雅黑" panose="020B0503020204020204" pitchFamily="34" charset="-122"/>
-              </a:rPr>
-              <a:t>平台网址   </a:t>
-            </a:r>
-            <a:r>
-              <a:rPr lang="en-US" altLang="zh-CN" sz="2400">
-                <a:latin typeface="微软雅黑" panose="020B0503020204020204" pitchFamily="34" charset="-122"/>
-                <a:ea typeface="微软雅黑" panose="020B0503020204020204" pitchFamily="34" charset="-122"/>
-              </a:rPr>
-              <a:t>https://study.wjszzx.com.cn</a:t>
-            </a:r>
-          </a:p>
-        </p:txBody>
-      </p:sp>
-    </p:spTree>
-  </p:cSld>
-  <p:clrMapOvr>
-    <a:masterClrMapping/>
-  </p:clrMapOvr>
-  <p:transition spd="slow"/>
-</p:sld>
-</file>
-
 <file path=ppt/tags/tag1.xml><?xml version="1.0" encoding="utf-8"?>
 <p:tagLst xmlns:a="http://schemas.openxmlformats.org/drawingml/2006/main" xmlns:r="http://schemas.openxmlformats.org/officeDocument/2006/relationships" xmlns:p="http://schemas.openxmlformats.org/presentationml/2006/main">
   <p:tag name="KSO_WM_UNIT_PLACING_PICTURE_USER_VIEWPORT" val="{&quot;height&quot;:9735,&quot;width&quot;:14490}"/>
